--- a/Presentation 4.3.pptx
+++ b/Presentation 4.3.pptx
@@ -6,8 +6,8 @@
   </p:sldMasterIdLst>
   <p:sldIdLst>
     <p:sldId id="256" r:id="rId2"/>
-    <p:sldId id="264" r:id="rId3"/>
-    <p:sldId id="257" r:id="rId4"/>
+    <p:sldId id="265" r:id="rId3"/>
+    <p:sldId id="264" r:id="rId4"/>
     <p:sldId id="258" r:id="rId5"/>
     <p:sldId id="259" r:id="rId6"/>
     <p:sldId id="262" r:id="rId7"/>
@@ -114,7 +114,18 @@
   </p:defaultTextStyle>
   <p:extLst>
     <p:ext uri="{EFAFB233-063F-42B5-8137-9DF3F51BA10A}">
-      <p15:sldGuideLst xmlns:p15="http://schemas.microsoft.com/office/powerpoint/2012/main"/>
+      <p15:sldGuideLst xmlns:p15="http://schemas.microsoft.com/office/powerpoint/2012/main">
+        <p15:guide id="1" orient="horz" pos="2160">
+          <p15:clr>
+            <a:srgbClr val="A4A3A4"/>
+          </p15:clr>
+        </p15:guide>
+        <p15:guide id="2" pos="2880">
+          <p15:clr>
+            <a:srgbClr val="A4A3A4"/>
+          </p15:clr>
+        </p15:guide>
+      </p15:sldGuideLst>
     </p:ext>
   </p:extLst>
 </p:presentation>
@@ -125,6 +136,7 @@
   <p1510:revLst>
     <p1510:client id="{8200F492-B484-48A7-8AAD-E804E55D5A83}" v="195" dt="2020-02-26T12:54:32.221"/>
     <p1510:client id="{867FA3D7-6D7A-4D7A-BADA-35266BE2F8D4}" v="531" dt="2020-02-06T16:07:25.814"/>
+    <p1510:client id="{BBFEDB11-B727-4426-BE8E-A0C0FCCB5D3A}" v="374" dt="2020-02-29T09:21:13.788"/>
   </p1510:revLst>
 </p1510:revInfo>
 </file>
@@ -351,7 +363,8 @@
           <a:p>
             <a:fld id="{A52BE8C1-7313-4B1A-A522-D273E7A21E89}" type="datetimeFigureOut">
               <a:rPr lang="en-US" dirty="0"/>
-              <a:t>2/26/2020</a:t>
+              <a:pPr/>
+              <a:t>2/29/2020</a:t>
             </a:fld>
             <a:endParaRPr lang="en-US" dirty="0"/>
           </a:p>
@@ -520,7 +533,8 @@
           <a:p>
             <a:fld id="{1E1A1254-60E8-4EAE-AE90-B80A87FF7E0C}" type="datetimeFigureOut">
               <a:rPr lang="en-US" dirty="0"/>
-              <a:t>2/26/2020</a:t>
+              <a:pPr/>
+              <a:t>2/29/2020</a:t>
             </a:fld>
             <a:endParaRPr lang="en-US" dirty="0"/>
           </a:p>
@@ -562,6 +576,7 @@
           <a:p>
             <a:fld id="{4FAB73BC-B049-4115-A692-8D63A059BFB8}" type="slidenum">
               <a:rPr lang="en-US" dirty="0"/>
+              <a:pPr/>
               <a:t>‹#›</a:t>
             </a:fld>
             <a:endParaRPr lang="en-US" dirty="0"/>
@@ -698,7 +713,8 @@
           <a:p>
             <a:fld id="{9F3228C6-DC12-455E-81B7-5E12630F1892}" type="datetimeFigureOut">
               <a:rPr lang="en-US" dirty="0"/>
-              <a:t>2/26/2020</a:t>
+              <a:pPr/>
+              <a:t>2/29/2020</a:t>
             </a:fld>
             <a:endParaRPr lang="en-US" dirty="0"/>
           </a:p>
@@ -740,6 +756,7 @@
           <a:p>
             <a:fld id="{4FAB73BC-B049-4115-A692-8D63A059BFB8}" type="slidenum">
               <a:rPr lang="en-US" dirty="0"/>
+              <a:pPr/>
               <a:t>‹#›</a:t>
             </a:fld>
             <a:endParaRPr lang="en-US" dirty="0"/>
@@ -866,7 +883,8 @@
           <a:p>
             <a:fld id="{528B1387-E181-492F-9D7B-AD6E21345D03}" type="datetimeFigureOut">
               <a:rPr lang="en-US" dirty="0"/>
-              <a:t>2/26/2020</a:t>
+              <a:pPr/>
+              <a:t>2/29/2020</a:t>
             </a:fld>
             <a:endParaRPr lang="en-US" dirty="0"/>
           </a:p>
@@ -908,6 +926,7 @@
           <a:p>
             <a:fld id="{4FAB73BC-B049-4115-A692-8D63A059BFB8}" type="slidenum">
               <a:rPr lang="en-US" dirty="0"/>
+              <a:pPr/>
               <a:t>‹#›</a:t>
             </a:fld>
             <a:endParaRPr lang="en-US" dirty="0"/>
@@ -1118,7 +1137,8 @@
           <a:p>
             <a:fld id="{7AACB294-6DA6-451B-8488-5CBB249A1473}" type="datetimeFigureOut">
               <a:rPr lang="en-US" dirty="0"/>
-              <a:t>2/26/2020</a:t>
+              <a:pPr/>
+              <a:t>2/29/2020</a:t>
             </a:fld>
             <a:endParaRPr lang="en-US" dirty="0"/>
           </a:p>
@@ -1160,6 +1180,7 @@
           <a:p>
             <a:fld id="{4FAB73BC-B049-4115-A692-8D63A059BFB8}" type="slidenum">
               <a:rPr lang="en-US" dirty="0"/>
+              <a:pPr/>
               <a:t>‹#›</a:t>
             </a:fld>
             <a:endParaRPr lang="en-US" dirty="0"/>
@@ -1441,7 +1462,8 @@
           <a:p>
             <a:fld id="{ACC386E2-80E8-4960-92F6-C6FE8B10DBD0}" type="datetimeFigureOut">
               <a:rPr lang="en-US" dirty="0"/>
-              <a:t>2/26/2020</a:t>
+              <a:pPr/>
+              <a:t>2/29/2020</a:t>
             </a:fld>
             <a:endParaRPr lang="en-US" dirty="0"/>
           </a:p>
@@ -1483,6 +1505,7 @@
           <a:p>
             <a:fld id="{4FAB73BC-B049-4115-A692-8D63A059BFB8}" type="slidenum">
               <a:rPr lang="en-US" dirty="0"/>
+              <a:pPr/>
               <a:t>‹#›</a:t>
             </a:fld>
             <a:endParaRPr lang="en-US" dirty="0"/>
@@ -1847,7 +1870,8 @@
           <a:p>
             <a:fld id="{790670D5-C074-44A2-9802-1F9E7BA543BC}" type="datetimeFigureOut">
               <a:rPr lang="en-US" dirty="0"/>
-              <a:t>2/26/2020</a:t>
+              <a:pPr/>
+              <a:t>2/29/2020</a:t>
             </a:fld>
             <a:endParaRPr lang="en-US" dirty="0"/>
           </a:p>
@@ -1889,6 +1913,7 @@
           <a:p>
             <a:fld id="{4FAB73BC-B049-4115-A692-8D63A059BFB8}" type="slidenum">
               <a:rPr lang="en-US" dirty="0"/>
+              <a:pPr/>
               <a:t>‹#›</a:t>
             </a:fld>
             <a:endParaRPr lang="en-US" dirty="0"/>
@@ -1964,7 +1989,8 @@
           <a:p>
             <a:fld id="{F59D57FF-92EE-4687-A0B6-D4426CCF892B}" type="datetimeFigureOut">
               <a:rPr lang="en-US" dirty="0"/>
-              <a:t>2/26/2020</a:t>
+              <a:pPr/>
+              <a:t>2/29/2020</a:t>
             </a:fld>
             <a:endParaRPr lang="en-US" dirty="0"/>
           </a:p>
@@ -2006,6 +2032,7 @@
           <a:p>
             <a:fld id="{4FAB73BC-B049-4115-A692-8D63A059BFB8}" type="slidenum">
               <a:rPr lang="en-US" dirty="0"/>
+              <a:pPr/>
               <a:t>‹#›</a:t>
             </a:fld>
             <a:endParaRPr lang="en-US" dirty="0"/>
@@ -2059,7 +2086,8 @@
           <a:p>
             <a:fld id="{37B583F2-6412-4AD5-B9E1-33F4992FAAD1}" type="datetimeFigureOut">
               <a:rPr lang="en-US" dirty="0"/>
-              <a:t>2/26/2020</a:t>
+              <a:pPr/>
+              <a:t>2/29/2020</a:t>
             </a:fld>
             <a:endParaRPr lang="en-US" dirty="0"/>
           </a:p>
@@ -2101,6 +2129,7 @@
           <a:p>
             <a:fld id="{4FAB73BC-B049-4115-A692-8D63A059BFB8}" type="slidenum">
               <a:rPr lang="en-US" dirty="0"/>
+              <a:pPr/>
               <a:t>‹#›</a:t>
             </a:fld>
             <a:endParaRPr lang="en-US" dirty="0"/>
@@ -2344,7 +2373,8 @@
           <a:p>
             <a:fld id="{C9AC0EC1-93A9-4658-B50B-1E179632FC91}" type="datetimeFigureOut">
               <a:rPr lang="en-US" dirty="0"/>
-              <a:t>2/26/2020</a:t>
+              <a:pPr/>
+              <a:t>2/29/2020</a:t>
             </a:fld>
             <a:endParaRPr lang="en-US" dirty="0"/>
           </a:p>
@@ -2386,6 +2416,7 @@
           <a:p>
             <a:fld id="{4FAB73BC-B049-4115-A692-8D63A059BFB8}" type="slidenum">
               <a:rPr lang="en-US" dirty="0"/>
+              <a:pPr/>
               <a:t>‹#›</a:t>
             </a:fld>
             <a:endParaRPr lang="en-US" dirty="0"/>
@@ -2654,7 +2685,8 @@
           <a:p>
             <a:fld id="{0D5381A2-E6D8-4B28-8E28-2D655C552EBB}" type="datetimeFigureOut">
               <a:rPr lang="en-US" dirty="0"/>
-              <a:t>2/26/2020</a:t>
+              <a:pPr/>
+              <a:t>2/29/2020</a:t>
             </a:fld>
             <a:endParaRPr lang="en-US" dirty="0"/>
           </a:p>
@@ -2696,6 +2728,7 @@
           <a:p>
             <a:fld id="{4FAB73BC-B049-4115-A692-8D63A059BFB8}" type="slidenum">
               <a:rPr lang="en-US" dirty="0"/>
+              <a:pPr/>
               <a:t>‹#›</a:t>
             </a:fld>
             <a:endParaRPr lang="en-US" dirty="0"/>
@@ -2901,7 +2934,8 @@
           <a:p>
             <a:fld id="{893EB801-F7DF-4DB7-AD7A-DFFF56000347}" type="datetimeFigureOut">
               <a:rPr lang="en-US" dirty="0"/>
-              <a:t>2/26/2020</a:t>
+              <a:pPr/>
+              <a:t>2/29/2020</a:t>
             </a:fld>
             <a:endParaRPr lang="en-US" dirty="0"/>
           </a:p>
@@ -3408,16 +3442,16 @@
           <a:lstStyle/>
           <a:p>
             <a:r>
+              <a:rPr lang="en-US" dirty="0"/>
+              <a:t>3D </a:t>
+            </a:r>
+            <a:r>
               <a:rPr lang="en-US" dirty="0" err="1"/>
-              <a:t>Разработка</a:t>
-            </a:r>
-            <a:r>
-              <a:rPr lang="en-US" dirty="0"/>
-              <a:t> 3D </a:t>
-            </a:r>
-            <a:r>
-              <a:rPr lang="en-US" dirty="0" err="1"/>
-              <a:t>игры</a:t>
+              <a:t>игр</a:t>
+            </a:r>
+            <a:r>
+              <a:rPr lang="ru-RU" dirty="0"/>
+              <a:t>а</a:t>
             </a:r>
             <a:r>
               <a:rPr lang="en-US" dirty="0"/>
@@ -3520,13 +3554,7 @@
       </p:grpSpPr>
       <p:sp>
         <p:nvSpPr>
-          <p:cNvPr id="2" name="Title 1">
-            <a:extLst>
-              <a:ext uri="{FF2B5EF4-FFF2-40B4-BE49-F238E27FC236}">
-                <a16:creationId xmlns:a16="http://schemas.microsoft.com/office/drawing/2014/main" id="{5E4E9D81-0569-4773-8DAB-CAC592874AA8}"/>
-              </a:ext>
-            </a:extLst>
-          </p:cNvPr>
+          <p:cNvPr id="2" name="Заголовок 1"/>
           <p:cNvSpPr>
             <a:spLocks noGrp="1"/>
           </p:cNvSpPr>
@@ -3536,228 +3564,331 @@
         </p:nvSpPr>
         <p:spPr/>
         <p:txBody>
-          <a:bodyPr>
+          <a:bodyPr/>
+          <a:lstStyle/>
+          <a:p>
+            <a:r>
+              <a:rPr lang="ru-RU" dirty="0"/>
+              <a:t>Актуальность</a:t>
+            </a:r>
+          </a:p>
+        </p:txBody>
+      </p:sp>
+      <p:sp>
+        <p:nvSpPr>
+          <p:cNvPr id="3" name="Содержимое 2"/>
+          <p:cNvSpPr>
+            <a:spLocks noGrp="1"/>
+          </p:cNvSpPr>
+          <p:nvPr>
+            <p:ph idx="1"/>
+          </p:nvPr>
+        </p:nvSpPr>
+        <p:spPr/>
+        <p:txBody>
+          <a:bodyPr vert="horz" lIns="91440" tIns="45720" rIns="91440" bIns="45720" rtlCol="0" anchor="t">
             <a:normAutofit/>
           </a:bodyPr>
           <a:lstStyle/>
           <a:p>
             <a:r>
-              <a:rPr lang="en-US" dirty="0" err="1"/>
-              <a:t>Цель</a:t>
-            </a:r>
-            <a:r>
-              <a:rPr lang="en-US" dirty="0"/>
-              <a:t>: </a:t>
-            </a:r>
-            <a:r>
-              <a:rPr lang="en-US" dirty="0" err="1"/>
-              <a:t>Создать</a:t>
-            </a:r>
-            <a:r>
-              <a:rPr lang="en-US" dirty="0"/>
-              <a:t> </a:t>
-            </a:r>
-            <a:r>
-              <a:rPr lang="en-US" dirty="0" err="1"/>
-              <a:t>полностью</a:t>
-            </a:r>
-            <a:r>
-              <a:rPr lang="en-US" dirty="0"/>
-              <a:t> </a:t>
-            </a:r>
-            <a:r>
-              <a:rPr lang="en-US" dirty="0" err="1"/>
-              <a:t>функционирующую</a:t>
-            </a:r>
-            <a:r>
-              <a:rPr lang="en-US" dirty="0"/>
-              <a:t> 3D </a:t>
-            </a:r>
-            <a:r>
-              <a:rPr lang="en-US" dirty="0" err="1"/>
-              <a:t>игру</a:t>
-            </a:r>
-            <a:r>
-              <a:rPr lang="en-US" dirty="0"/>
-              <a:t> </a:t>
-            </a:r>
-            <a:endParaRPr lang="en-US"/>
-          </a:p>
-        </p:txBody>
-      </p:sp>
-      <p:sp>
-        <p:nvSpPr>
-          <p:cNvPr id="3" name="Content Placeholder 2">
-            <a:extLst>
-              <a:ext uri="{FF2B5EF4-FFF2-40B4-BE49-F238E27FC236}">
-                <a16:creationId xmlns:a16="http://schemas.microsoft.com/office/drawing/2014/main" id="{F762DB62-2A35-41AA-8043-E44DB7AD033C}"/>
-              </a:ext>
-            </a:extLst>
-          </p:cNvPr>
-          <p:cNvSpPr>
-            <a:spLocks noGrp="1"/>
-          </p:cNvSpPr>
-          <p:nvPr>
-            <p:ph idx="1"/>
-          </p:nvPr>
-        </p:nvSpPr>
-        <p:spPr/>
-        <p:txBody>
-          <a:bodyPr vert="horz" lIns="68580" tIns="34290" rIns="68580" bIns="34290" rtlCol="0" anchor="t">
-            <a:normAutofit/>
-          </a:bodyPr>
-          <a:lstStyle/>
-          <a:p>
-            <a:r>
-              <a:rPr lang="en-US" sz="2400" dirty="0" err="1"/>
-              <a:t>Задачи</a:t>
-            </a:r>
-            <a:r>
-              <a:rPr lang="en-US" sz="2400" dirty="0"/>
-              <a:t>:</a:t>
-            </a:r>
-          </a:p>
-          <a:p>
-            <a:pPr lvl="1"/>
-            <a:r>
-              <a:rPr lang="en-US" sz="2000" dirty="0" err="1"/>
-              <a:t>Изучить</a:t>
-            </a:r>
-            <a:r>
-              <a:rPr lang="en-US" sz="2000" dirty="0"/>
-              <a:t> </a:t>
-            </a:r>
-            <a:r>
-              <a:rPr lang="en-US" sz="2000" dirty="0" err="1"/>
-              <a:t>рынок</a:t>
-            </a:r>
-            <a:r>
-              <a:rPr lang="en-US" sz="2000" dirty="0"/>
-              <a:t> </a:t>
-            </a:r>
-            <a:r>
-              <a:rPr lang="en-US" sz="2000" dirty="0" err="1"/>
+              <a:rPr lang="en-US" dirty="0" err="1">
+                <a:ea typeface="+mn-lt"/>
+                <a:cs typeface="+mn-lt"/>
+              </a:rPr>
+              <a:t>Игровая</a:t>
+            </a:r>
+            <a:r>
+              <a:rPr lang="en-US" dirty="0">
+                <a:ea typeface="+mn-lt"/>
+                <a:cs typeface="+mn-lt"/>
+              </a:rPr>
+              <a:t> </a:t>
+            </a:r>
+            <a:r>
+              <a:rPr lang="en-US" dirty="0" err="1">
+                <a:ea typeface="+mn-lt"/>
+                <a:cs typeface="+mn-lt"/>
+              </a:rPr>
+              <a:t>индустрия</a:t>
+            </a:r>
+            <a:r>
+              <a:rPr lang="en-US" dirty="0">
+                <a:ea typeface="+mn-lt"/>
+                <a:cs typeface="+mn-lt"/>
+              </a:rPr>
+              <a:t> </a:t>
+            </a:r>
+            <a:r>
+              <a:rPr lang="en-US" dirty="0" err="1">
+                <a:ea typeface="+mn-lt"/>
+                <a:cs typeface="+mn-lt"/>
+              </a:rPr>
+              <a:t>продолжает</a:t>
+            </a:r>
+            <a:r>
+              <a:rPr lang="en-US" dirty="0">
+                <a:ea typeface="+mn-lt"/>
+                <a:cs typeface="+mn-lt"/>
+              </a:rPr>
+              <a:t> </a:t>
+            </a:r>
+            <a:r>
+              <a:rPr lang="en-US" dirty="0" err="1">
+                <a:ea typeface="+mn-lt"/>
+                <a:cs typeface="+mn-lt"/>
+              </a:rPr>
+              <a:t>свой</a:t>
+            </a:r>
+            <a:r>
+              <a:rPr lang="en-US" dirty="0">
+                <a:ea typeface="+mn-lt"/>
+                <a:cs typeface="+mn-lt"/>
+              </a:rPr>
+              <a:t> </a:t>
+            </a:r>
+            <a:r>
+              <a:rPr lang="en-US" dirty="0" err="1">
+                <a:ea typeface="+mn-lt"/>
+                <a:cs typeface="+mn-lt"/>
+              </a:rPr>
+              <a:t>стабильный</a:t>
+            </a:r>
+            <a:r>
+              <a:rPr lang="en-US" dirty="0">
+                <a:ea typeface="+mn-lt"/>
+                <a:cs typeface="+mn-lt"/>
+              </a:rPr>
+              <a:t> </a:t>
+            </a:r>
+            <a:r>
+              <a:rPr lang="en-US" dirty="0" err="1">
+                <a:ea typeface="+mn-lt"/>
+                <a:cs typeface="+mn-lt"/>
+              </a:rPr>
+              <a:t>рост</a:t>
+            </a:r>
+            <a:r>
+              <a:rPr lang="en-US" dirty="0">
+                <a:ea typeface="+mn-lt"/>
+                <a:cs typeface="+mn-lt"/>
+              </a:rPr>
+              <a:t> в </a:t>
+            </a:r>
+            <a:r>
+              <a:rPr lang="en-US" dirty="0" err="1">
+                <a:ea typeface="+mn-lt"/>
+                <a:cs typeface="+mn-lt"/>
+              </a:rPr>
+              <a:t>связи</a:t>
+            </a:r>
+            <a:r>
+              <a:rPr lang="en-US" dirty="0">
+                <a:ea typeface="+mn-lt"/>
+                <a:cs typeface="+mn-lt"/>
+              </a:rPr>
+              <a:t> с:</a:t>
+            </a:r>
+          </a:p>
+          <a:p>
+            <a:r>
+              <a:rPr lang="en-US" dirty="0" err="1">
+                <a:ea typeface="+mn-lt"/>
+                <a:cs typeface="+mn-lt"/>
+              </a:rPr>
+              <a:t>ростом</a:t>
+            </a:r>
+            <a:r>
+              <a:rPr lang="en-US" dirty="0">
+                <a:ea typeface="+mn-lt"/>
+                <a:cs typeface="+mn-lt"/>
+              </a:rPr>
+              <a:t> </a:t>
+            </a:r>
+            <a:r>
+              <a:rPr lang="en-US" dirty="0" err="1">
+                <a:ea typeface="+mn-lt"/>
+                <a:cs typeface="+mn-lt"/>
+              </a:rPr>
+              <a:t>технических</a:t>
+            </a:r>
+            <a:r>
+              <a:rPr lang="en-US" dirty="0">
+                <a:ea typeface="+mn-lt"/>
+                <a:cs typeface="+mn-lt"/>
+              </a:rPr>
+              <a:t> </a:t>
+            </a:r>
+            <a:r>
+              <a:rPr lang="en-US" dirty="0" err="1">
+                <a:ea typeface="+mn-lt"/>
+                <a:cs typeface="+mn-lt"/>
+              </a:rPr>
+              <a:t>возможностей</a:t>
+            </a:r>
+            <a:r>
+              <a:rPr lang="en-US" dirty="0">
+                <a:ea typeface="+mn-lt"/>
+                <a:cs typeface="+mn-lt"/>
+              </a:rPr>
+              <a:t> и </a:t>
+            </a:r>
+            <a:r>
+              <a:rPr lang="en-US" dirty="0" err="1">
+                <a:ea typeface="+mn-lt"/>
+                <a:cs typeface="+mn-lt"/>
+              </a:rPr>
+              <a:t>распространением</a:t>
+            </a:r>
+            <a:r>
+              <a:rPr lang="en-US" dirty="0">
+                <a:ea typeface="+mn-lt"/>
+                <a:cs typeface="+mn-lt"/>
+              </a:rPr>
+              <a:t> </a:t>
+            </a:r>
+            <a:r>
+              <a:rPr lang="en-US" dirty="0" err="1">
+                <a:ea typeface="+mn-lt"/>
+                <a:cs typeface="+mn-lt"/>
+              </a:rPr>
+              <a:t>высокоскоростного</a:t>
+            </a:r>
+            <a:r>
+              <a:rPr lang="en-US" dirty="0">
+                <a:ea typeface="+mn-lt"/>
+                <a:cs typeface="+mn-lt"/>
+              </a:rPr>
+              <a:t> </a:t>
+            </a:r>
+            <a:r>
+              <a:rPr lang="en-US" dirty="0" err="1">
+                <a:ea typeface="+mn-lt"/>
+                <a:cs typeface="+mn-lt"/>
+              </a:rPr>
+              <a:t>доступа</a:t>
+            </a:r>
+            <a:r>
+              <a:rPr lang="en-US" dirty="0">
+                <a:ea typeface="+mn-lt"/>
+                <a:cs typeface="+mn-lt"/>
+              </a:rPr>
+              <a:t> к </a:t>
+            </a:r>
+            <a:r>
+              <a:rPr lang="en-US" dirty="0" err="1">
+                <a:ea typeface="+mn-lt"/>
+                <a:cs typeface="+mn-lt"/>
+              </a:rPr>
+              <a:t>сети</a:t>
+            </a:r>
+            <a:r>
+              <a:rPr lang="en-US" dirty="0">
+                <a:ea typeface="+mn-lt"/>
+                <a:cs typeface="+mn-lt"/>
+              </a:rPr>
+              <a:t>;</a:t>
+            </a:r>
+          </a:p>
+          <a:p>
+            <a:r>
+              <a:rPr lang="en-US" dirty="0" err="1">
+                <a:ea typeface="+mn-lt"/>
+                <a:cs typeface="+mn-lt"/>
+              </a:rPr>
+              <a:t>Увеличением</a:t>
+            </a:r>
+            <a:r>
+              <a:rPr lang="en-US" dirty="0">
+                <a:ea typeface="+mn-lt"/>
+                <a:cs typeface="+mn-lt"/>
+              </a:rPr>
+              <a:t> </a:t>
+            </a:r>
+            <a:r>
+              <a:rPr lang="en-US" dirty="0" err="1">
+                <a:ea typeface="+mn-lt"/>
+                <a:cs typeface="+mn-lt"/>
+              </a:rPr>
+              <a:t>конкуренции</a:t>
+            </a:r>
+            <a:r>
+              <a:rPr lang="en-US" dirty="0">
+                <a:ea typeface="+mn-lt"/>
+                <a:cs typeface="+mn-lt"/>
+              </a:rPr>
+              <a:t> </a:t>
+            </a:r>
+            <a:r>
+              <a:rPr lang="en-US" dirty="0" err="1">
+                <a:ea typeface="+mn-lt"/>
+                <a:cs typeface="+mn-lt"/>
+              </a:rPr>
+              <a:t>на</a:t>
+            </a:r>
+            <a:r>
+              <a:rPr lang="en-US" dirty="0">
+                <a:ea typeface="+mn-lt"/>
+                <a:cs typeface="+mn-lt"/>
+              </a:rPr>
+              <a:t> </a:t>
+            </a:r>
+            <a:r>
+              <a:rPr lang="en-US" dirty="0" err="1">
+                <a:ea typeface="+mn-lt"/>
+                <a:cs typeface="+mn-lt"/>
+              </a:rPr>
+              <a:t>рынке</a:t>
+            </a:r>
+            <a:r>
+              <a:rPr lang="en-US" dirty="0">
+                <a:ea typeface="+mn-lt"/>
+                <a:cs typeface="+mn-lt"/>
+              </a:rPr>
+              <a:t> </a:t>
+            </a:r>
+            <a:r>
+              <a:rPr lang="en-US" dirty="0" err="1">
+                <a:ea typeface="+mn-lt"/>
+                <a:cs typeface="+mn-lt"/>
+              </a:rPr>
+              <a:t>на</a:t>
+            </a:r>
+            <a:r>
+              <a:rPr lang="en-US" dirty="0">
+                <a:ea typeface="+mn-lt"/>
+                <a:cs typeface="+mn-lt"/>
+              </a:rPr>
+              <a:t> </a:t>
+            </a:r>
+            <a:r>
+              <a:rPr lang="en-US" dirty="0" err="1">
+                <a:ea typeface="+mn-lt"/>
+                <a:cs typeface="+mn-lt"/>
+              </a:rPr>
               <a:t>видеоигр</a:t>
             </a:r>
             <a:r>
-              <a:rPr lang="en-US" sz="2000" dirty="0"/>
-              <a:t>;</a:t>
-            </a:r>
-          </a:p>
-          <a:p>
-            <a:pPr lvl="1"/>
-            <a:r>
-              <a:rPr lang="en-US" sz="2000" dirty="0" err="1">
-                <a:ea typeface="+mn-lt"/>
-                <a:cs typeface="+mn-lt"/>
-              </a:rPr>
-              <a:t>Изучить</a:t>
-            </a:r>
-            <a:r>
-              <a:rPr lang="en-US" sz="2000" dirty="0">
-                <a:ea typeface="+mn-lt"/>
-                <a:cs typeface="+mn-lt"/>
-              </a:rPr>
-              <a:t> </a:t>
-            </a:r>
-            <a:r>
-              <a:rPr lang="en-US" sz="2000" dirty="0" err="1">
-                <a:ea typeface="+mn-lt"/>
-                <a:cs typeface="+mn-lt"/>
-              </a:rPr>
-              <a:t>возможности</a:t>
-            </a:r>
-            <a:r>
-              <a:rPr lang="en-US" sz="2000" dirty="0">
-                <a:ea typeface="+mn-lt"/>
-                <a:cs typeface="+mn-lt"/>
-              </a:rPr>
-              <a:t> </a:t>
-            </a:r>
-            <a:r>
-              <a:rPr lang="en-US" sz="2000" dirty="0" err="1">
-                <a:ea typeface="+mn-lt"/>
-                <a:cs typeface="+mn-lt"/>
-              </a:rPr>
-              <a:t>игрового</a:t>
-            </a:r>
-            <a:r>
-              <a:rPr lang="en-US" sz="2000" dirty="0">
-                <a:ea typeface="+mn-lt"/>
-                <a:cs typeface="+mn-lt"/>
-              </a:rPr>
-              <a:t> </a:t>
-            </a:r>
-            <a:r>
-              <a:rPr lang="en-US" sz="2000" dirty="0" err="1">
-                <a:ea typeface="+mn-lt"/>
-                <a:cs typeface="+mn-lt"/>
-              </a:rPr>
-              <a:t>движка</a:t>
-            </a:r>
-            <a:r>
-              <a:rPr lang="en-US" sz="2000" dirty="0">
-                <a:ea typeface="+mn-lt"/>
-                <a:cs typeface="+mn-lt"/>
-              </a:rPr>
-              <a:t> Unreal Engine 4;</a:t>
-            </a:r>
-          </a:p>
-          <a:p>
-            <a:pPr lvl="1"/>
-            <a:r>
-              <a:rPr lang="en-US" sz="2000" dirty="0" err="1"/>
-              <a:t>Улучшить</a:t>
-            </a:r>
-            <a:r>
-              <a:rPr lang="en-US" sz="2000" dirty="0"/>
-              <a:t> </a:t>
-            </a:r>
-            <a:r>
-              <a:rPr lang="en-US" sz="2000" dirty="0" err="1"/>
-              <a:t>владение</a:t>
-            </a:r>
-            <a:r>
-              <a:rPr lang="en-US" sz="2000" dirty="0"/>
-              <a:t> </a:t>
-            </a:r>
-            <a:r>
-              <a:rPr lang="en-US" sz="2000" dirty="0" err="1"/>
-              <a:t>языком</a:t>
-            </a:r>
-            <a:r>
-              <a:rPr lang="en-US" sz="2000" dirty="0"/>
-              <a:t> </a:t>
-            </a:r>
-            <a:r>
-              <a:rPr lang="en-US" sz="2000" dirty="0" err="1"/>
-              <a:t>программирования</a:t>
-            </a:r>
-            <a:r>
-              <a:rPr lang="en-US" sz="2000" dirty="0"/>
-              <a:t> C++.</a:t>
-            </a:r>
-          </a:p>
-          <a:p>
-            <a:pPr lvl="1"/>
-            <a:endParaRPr lang="en-US" dirty="0"/>
-          </a:p>
-          <a:p>
-            <a:pPr lvl="1"/>
-            <a:endParaRPr lang="en-US" dirty="0"/>
-          </a:p>
-          <a:p>
-            <a:pPr lvl="1"/>
-            <a:endParaRPr lang="en-US" dirty="0"/>
+              <a:rPr lang="en-US" dirty="0">
+                <a:ea typeface="+mn-lt"/>
+                <a:cs typeface="+mn-lt"/>
+              </a:rPr>
+              <a:t>.</a:t>
+            </a:r>
+            <a:br>
+              <a:rPr lang="en-US" dirty="0">
+                <a:ea typeface="+mn-lt"/>
+                <a:cs typeface="+mn-lt"/>
+              </a:rPr>
+            </a:br>
+            <a:endParaRPr lang="en-US">
+              <a:ea typeface="+mn-lt"/>
+              <a:cs typeface="+mn-lt"/>
+            </a:endParaRPr>
           </a:p>
         </p:txBody>
       </p:sp>
     </p:spTree>
-    <p:extLst>
-      <p:ext uri="{BB962C8B-B14F-4D97-AF65-F5344CB8AC3E}">
-        <p14:creationId xmlns:p14="http://schemas.microsoft.com/office/powerpoint/2010/main" val="2856292990"/>
-      </p:ext>
-    </p:extLst>
   </p:cSld>
   <p:clrMapOvr>
     <a:masterClrMapping/>
@@ -3768,14 +3899,6 @@
 <file path=ppt/slides/slide3.xml><?xml version="1.0" encoding="utf-8"?>
 <p:sld xmlns:a="http://schemas.openxmlformats.org/drawingml/2006/main" xmlns:r="http://schemas.openxmlformats.org/officeDocument/2006/relationships" xmlns:p="http://schemas.openxmlformats.org/presentationml/2006/main">
   <p:cSld>
-    <p:bg>
-      <p:bgPr>
-        <a:solidFill>
-          <a:schemeClr val="bg1"/>
-        </a:solidFill>
-        <a:effectLst/>
-      </p:bgPr>
-    </p:bg>
     <p:spTree>
       <p:nvGrpSpPr>
         <p:cNvPr id="1" name=""/>
@@ -3795,7 +3918,7 @@
           <p:cNvPr id="2" name="Title 1">
             <a:extLst>
               <a:ext uri="{FF2B5EF4-FFF2-40B4-BE49-F238E27FC236}">
-                <a16:creationId xmlns:a16="http://schemas.microsoft.com/office/drawing/2014/main" id="{F3DD4B6E-5692-45E2-A3A2-CA4A43D04566}"/>
+                <a16:creationId xmlns:a16="http://schemas.microsoft.com/office/drawing/2014/main" id="{5E4E9D81-0569-4773-8DAB-CAC592874AA8}"/>
               </a:ext>
             </a:extLst>
           </p:cNvPr>
@@ -3806,28 +3929,58 @@
             <p:ph type="title"/>
           </p:nvPr>
         </p:nvSpPr>
-        <p:spPr>
-          <a:xfrm>
-            <a:off x="5909006" y="1337310"/>
-            <a:ext cx="2306877" cy="994172"/>
-          </a:xfrm>
-        </p:spPr>
+        <p:spPr/>
         <p:txBody>
           <a:bodyPr>
             <a:normAutofit/>
           </a:bodyPr>
           <a:lstStyle/>
           <a:p>
-            <a:endParaRPr lang="en-US" sz="2400"/>
-          </a:p>
-        </p:txBody>
-      </p:sp>
-      <p:sp>
-        <p:nvSpPr>
-          <p:cNvPr id="20" name="Content Placeholder 14">
+            <a:r>
+              <a:rPr lang="en-US" dirty="0" err="1"/>
+              <a:t>Цель</a:t>
+            </a:r>
+            <a:r>
+              <a:rPr lang="en-US" dirty="0"/>
+              <a:t>: </a:t>
+            </a:r>
+            <a:r>
+              <a:rPr lang="ru-RU" dirty="0"/>
+              <a:t>Разработать </a:t>
+            </a:r>
+            <a:r>
+              <a:rPr lang="en-US" dirty="0" err="1"/>
+              <a:t>полностью</a:t>
+            </a:r>
+            <a:r>
+              <a:rPr lang="en-US" dirty="0"/>
+              <a:t> </a:t>
+            </a:r>
+            <a:r>
+              <a:rPr lang="en-US" dirty="0" err="1"/>
+              <a:t>функционирующую</a:t>
+            </a:r>
+            <a:r>
+              <a:rPr lang="en-US" dirty="0"/>
+              <a:t> 3D </a:t>
+            </a:r>
+            <a:r>
+              <a:rPr lang="en-US" dirty="0" err="1"/>
+              <a:t>игру</a:t>
+            </a:r>
+            <a:r>
+              <a:rPr lang="en-US" dirty="0"/>
+              <a:t> </a:t>
+            </a:r>
+          </a:p>
+        </p:txBody>
+      </p:sp>
+      <p:sp>
+        <p:nvSpPr>
+          <p:cNvPr id="3" name="Content Placeholder 2">
             <a:extLst>
               <a:ext uri="{FF2B5EF4-FFF2-40B4-BE49-F238E27FC236}">
-                <a16:creationId xmlns:a16="http://schemas.microsoft.com/office/drawing/2014/main" id="{84351748-F434-4689-AF05-9AE28DE2AAA6}"/>
+                <a16:creationId xmlns:a16="http://schemas.microsoft.com/office/drawing/2014/main" id="{F762DB62-2A35-41AA-8043-E44DB7AD033C}"/>
               </a:ext>
             </a:extLst>
           </p:cNvPr>
@@ -3838,708 +3991,185 @@
             <p:ph idx="1"/>
           </p:nvPr>
         </p:nvSpPr>
-        <p:spPr>
-          <a:xfrm>
-            <a:off x="5909006" y="2309966"/>
-            <a:ext cx="2306877" cy="3182387"/>
-          </a:xfrm>
-        </p:spPr>
+        <p:spPr/>
         <p:txBody>
           <a:bodyPr vert="horz" lIns="68580" tIns="34290" rIns="68580" bIns="34290" rtlCol="0" anchor="t">
-            <a:normAutofit fontScale="85000" lnSpcReduction="20000"/>
+            <a:normAutofit/>
           </a:bodyPr>
           <a:lstStyle/>
           <a:p>
             <a:r>
-              <a:rPr lang="en-US" sz="1400" dirty="0" err="1">
-                <a:ea typeface="+mn-lt"/>
-                <a:cs typeface="+mn-lt"/>
-              </a:rPr>
-              <a:t>Сегмент</a:t>
-            </a:r>
-            <a:r>
-              <a:rPr lang="en-US" sz="1400" dirty="0">
-                <a:ea typeface="+mn-lt"/>
-                <a:cs typeface="+mn-lt"/>
-              </a:rPr>
-              <a:t> </a:t>
-            </a:r>
-            <a:r>
-              <a:rPr lang="en-US" sz="1400" dirty="0" err="1">
-                <a:ea typeface="+mn-lt"/>
-                <a:cs typeface="+mn-lt"/>
-              </a:rPr>
-              <a:t>мобильных</a:t>
-            </a:r>
-            <a:r>
-              <a:rPr lang="en-US" sz="1400" dirty="0">
-                <a:ea typeface="+mn-lt"/>
-                <a:cs typeface="+mn-lt"/>
-              </a:rPr>
-              <a:t> </a:t>
-            </a:r>
-            <a:r>
-              <a:rPr lang="en-US" sz="1400" dirty="0" err="1">
-                <a:ea typeface="+mn-lt"/>
-                <a:cs typeface="+mn-lt"/>
-              </a:rPr>
-              <a:t>игр</a:t>
-            </a:r>
-            <a:r>
-              <a:rPr lang="en-US" sz="1400" dirty="0">
-                <a:ea typeface="+mn-lt"/>
-                <a:cs typeface="+mn-lt"/>
-              </a:rPr>
-              <a:t> </a:t>
-            </a:r>
-            <a:r>
-              <a:rPr lang="en-US" sz="1400" dirty="0" err="1">
-                <a:ea typeface="+mn-lt"/>
-                <a:cs typeface="+mn-lt"/>
-              </a:rPr>
-              <a:t>стремительно</a:t>
-            </a:r>
-            <a:r>
-              <a:rPr lang="en-US" sz="1400" dirty="0">
-                <a:ea typeface="+mn-lt"/>
-                <a:cs typeface="+mn-lt"/>
-              </a:rPr>
-              <a:t> </a:t>
-            </a:r>
-            <a:r>
-              <a:rPr lang="en-US" sz="1400" dirty="0" err="1">
-                <a:ea typeface="+mn-lt"/>
-                <a:cs typeface="+mn-lt"/>
-              </a:rPr>
-              <a:t>развивается</a:t>
-            </a:r>
-            <a:r>
-              <a:rPr lang="en-US" sz="1400" dirty="0">
-                <a:ea typeface="+mn-lt"/>
-                <a:cs typeface="+mn-lt"/>
-              </a:rPr>
-              <a:t>. </a:t>
-            </a:r>
-            <a:r>
-              <a:rPr lang="en-US" sz="1400" dirty="0" err="1">
-                <a:ea typeface="+mn-lt"/>
-                <a:cs typeface="+mn-lt"/>
-              </a:rPr>
-              <a:t>Цикл</a:t>
-            </a:r>
-            <a:r>
-              <a:rPr lang="en-US" sz="1400" dirty="0">
-                <a:ea typeface="+mn-lt"/>
-                <a:cs typeface="+mn-lt"/>
-              </a:rPr>
-              <a:t> </a:t>
-            </a:r>
-            <a:r>
-              <a:rPr lang="en-US" sz="1400" dirty="0" err="1">
-                <a:ea typeface="+mn-lt"/>
-                <a:cs typeface="+mn-lt"/>
-              </a:rPr>
-              <a:t>разработки</a:t>
-            </a:r>
-            <a:r>
-              <a:rPr lang="en-US" sz="1400" dirty="0">
-                <a:ea typeface="+mn-lt"/>
-                <a:cs typeface="+mn-lt"/>
-              </a:rPr>
-              <a:t> </a:t>
-            </a:r>
-            <a:r>
-              <a:rPr lang="en-US" sz="1400" dirty="0" err="1">
-                <a:ea typeface="+mn-lt"/>
-                <a:cs typeface="+mn-lt"/>
-              </a:rPr>
-              <a:t>игр</a:t>
-            </a:r>
-            <a:r>
-              <a:rPr lang="en-US" sz="1400" dirty="0">
-                <a:ea typeface="+mn-lt"/>
-                <a:cs typeface="+mn-lt"/>
-              </a:rPr>
-              <a:t> в </a:t>
-            </a:r>
-            <a:r>
-              <a:rPr lang="en-US" sz="1400" dirty="0" err="1">
-                <a:ea typeface="+mn-lt"/>
-                <a:cs typeface="+mn-lt"/>
-              </a:rPr>
-              <a:t>данной</a:t>
-            </a:r>
-            <a:r>
-              <a:rPr lang="en-US" sz="1400" dirty="0">
-                <a:ea typeface="+mn-lt"/>
-                <a:cs typeface="+mn-lt"/>
-              </a:rPr>
-              <a:t> </a:t>
-            </a:r>
-            <a:r>
-              <a:rPr lang="en-US" sz="1400" dirty="0" err="1">
-                <a:ea typeface="+mn-lt"/>
-                <a:cs typeface="+mn-lt"/>
-              </a:rPr>
-              <a:t>нише</a:t>
-            </a:r>
-            <a:r>
-              <a:rPr lang="en-US" sz="1400" dirty="0">
-                <a:ea typeface="+mn-lt"/>
-                <a:cs typeface="+mn-lt"/>
-              </a:rPr>
-              <a:t> </a:t>
-            </a:r>
-            <a:r>
-              <a:rPr lang="en-US" sz="1400" dirty="0" err="1">
-                <a:ea typeface="+mn-lt"/>
-                <a:cs typeface="+mn-lt"/>
-              </a:rPr>
-              <a:t>рынка</a:t>
-            </a:r>
-            <a:r>
-              <a:rPr lang="en-US" sz="1400" dirty="0">
-                <a:ea typeface="+mn-lt"/>
-                <a:cs typeface="+mn-lt"/>
-              </a:rPr>
-              <a:t> </a:t>
-            </a:r>
-            <a:r>
-              <a:rPr lang="en-US" sz="1400" dirty="0" err="1">
-                <a:ea typeface="+mn-lt"/>
-                <a:cs typeface="+mn-lt"/>
-              </a:rPr>
-              <a:t>короче</a:t>
-            </a:r>
-            <a:r>
-              <a:rPr lang="en-US" sz="1400" dirty="0">
-                <a:ea typeface="+mn-lt"/>
-                <a:cs typeface="+mn-lt"/>
-              </a:rPr>
-              <a:t>, </a:t>
-            </a:r>
-            <a:r>
-              <a:rPr lang="en-US" sz="1400" dirty="0" err="1">
-                <a:ea typeface="+mn-lt"/>
-                <a:cs typeface="+mn-lt"/>
-              </a:rPr>
-              <a:t>новые</a:t>
-            </a:r>
-            <a:r>
-              <a:rPr lang="en-US" sz="1400" dirty="0">
-                <a:ea typeface="+mn-lt"/>
-                <a:cs typeface="+mn-lt"/>
-              </a:rPr>
-              <a:t> </a:t>
-            </a:r>
-            <a:r>
-              <a:rPr lang="en-US" sz="1400" dirty="0" err="1">
-                <a:ea typeface="+mn-lt"/>
-                <a:cs typeface="+mn-lt"/>
-              </a:rPr>
-              <a:t>интересные</a:t>
-            </a:r>
-            <a:r>
-              <a:rPr lang="en-US" sz="1400" dirty="0">
-                <a:ea typeface="+mn-lt"/>
-                <a:cs typeface="+mn-lt"/>
-              </a:rPr>
-              <a:t> </a:t>
-            </a:r>
-            <a:r>
-              <a:rPr lang="en-US" sz="1400" dirty="0" err="1">
-                <a:ea typeface="+mn-lt"/>
-                <a:cs typeface="+mn-lt"/>
-              </a:rPr>
-              <a:t>продукты</a:t>
-            </a:r>
-            <a:r>
-              <a:rPr lang="en-US" sz="1400" dirty="0">
-                <a:ea typeface="+mn-lt"/>
-                <a:cs typeface="+mn-lt"/>
-              </a:rPr>
-              <a:t> </a:t>
-            </a:r>
-            <a:r>
-              <a:rPr lang="en-US" sz="1400" dirty="0" err="1">
-                <a:ea typeface="+mn-lt"/>
-                <a:cs typeface="+mn-lt"/>
-              </a:rPr>
-              <a:t>появляются</a:t>
-            </a:r>
-            <a:r>
-              <a:rPr lang="en-US" sz="1400" dirty="0">
-                <a:ea typeface="+mn-lt"/>
-                <a:cs typeface="+mn-lt"/>
-              </a:rPr>
-              <a:t> </a:t>
-            </a:r>
-            <a:r>
-              <a:rPr lang="en-US" sz="1400" dirty="0" err="1">
-                <a:ea typeface="+mn-lt"/>
-                <a:cs typeface="+mn-lt"/>
-              </a:rPr>
-              <a:t>постоянно</a:t>
-            </a:r>
-            <a:r>
-              <a:rPr lang="en-US" sz="1400" dirty="0">
-                <a:ea typeface="+mn-lt"/>
-                <a:cs typeface="+mn-lt"/>
-              </a:rPr>
-              <a:t>, к </a:t>
-            </a:r>
-            <a:r>
-              <a:rPr lang="en-US" sz="1400" dirty="0" err="1">
-                <a:ea typeface="+mn-lt"/>
-                <a:cs typeface="+mn-lt"/>
-              </a:rPr>
-              <a:t>тому</a:t>
-            </a:r>
-            <a:r>
-              <a:rPr lang="en-US" sz="1400" dirty="0">
-                <a:ea typeface="+mn-lt"/>
-                <a:cs typeface="+mn-lt"/>
-              </a:rPr>
-              <a:t> </a:t>
-            </a:r>
-            <a:r>
-              <a:rPr lang="en-US" sz="1400" dirty="0" err="1">
-                <a:ea typeface="+mn-lt"/>
-                <a:cs typeface="+mn-lt"/>
-              </a:rPr>
-              <a:t>же</a:t>
-            </a:r>
-            <a:r>
-              <a:rPr lang="en-US" sz="1400" dirty="0">
-                <a:ea typeface="+mn-lt"/>
-                <a:cs typeface="+mn-lt"/>
-              </a:rPr>
-              <a:t> </a:t>
-            </a:r>
-            <a:r>
-              <a:rPr lang="en-US" sz="1400" dirty="0" err="1">
-                <a:ea typeface="+mn-lt"/>
-                <a:cs typeface="+mn-lt"/>
-              </a:rPr>
-              <a:t>российские</a:t>
-            </a:r>
-            <a:r>
-              <a:rPr lang="en-US" sz="1400" dirty="0">
-                <a:ea typeface="+mn-lt"/>
-                <a:cs typeface="+mn-lt"/>
-              </a:rPr>
-              <a:t> </a:t>
-            </a:r>
-            <a:r>
-              <a:rPr lang="en-US" sz="1400" dirty="0" err="1">
-                <a:ea typeface="+mn-lt"/>
-                <a:cs typeface="+mn-lt"/>
-              </a:rPr>
-              <a:t>разработчики</a:t>
-            </a:r>
-            <a:r>
-              <a:rPr lang="en-US" sz="1400" dirty="0">
-                <a:ea typeface="+mn-lt"/>
-                <a:cs typeface="+mn-lt"/>
-              </a:rPr>
-              <a:t> </a:t>
-            </a:r>
-            <a:r>
-              <a:rPr lang="en-US" sz="1400" dirty="0" err="1">
-                <a:ea typeface="+mn-lt"/>
-                <a:cs typeface="+mn-lt"/>
-              </a:rPr>
-              <a:t>традиционно</a:t>
-            </a:r>
-            <a:r>
-              <a:rPr lang="en-US" sz="1400" dirty="0">
-                <a:ea typeface="+mn-lt"/>
-                <a:cs typeface="+mn-lt"/>
-              </a:rPr>
-              <a:t> </a:t>
-            </a:r>
-            <a:r>
-              <a:rPr lang="en-US" sz="1400" dirty="0" err="1">
-                <a:ea typeface="+mn-lt"/>
-                <a:cs typeface="+mn-lt"/>
-              </a:rPr>
-              <a:t>сильны</a:t>
-            </a:r>
-            <a:r>
-              <a:rPr lang="en-US" sz="1400" dirty="0">
-                <a:ea typeface="+mn-lt"/>
-                <a:cs typeface="+mn-lt"/>
-              </a:rPr>
-              <a:t> в </a:t>
-            </a:r>
-            <a:r>
-              <a:rPr lang="en-US" sz="1400" dirty="0" err="1">
-                <a:ea typeface="+mn-lt"/>
-                <a:cs typeface="+mn-lt"/>
-              </a:rPr>
-              <a:t>этой</a:t>
-            </a:r>
-            <a:r>
-              <a:rPr lang="en-US" sz="1400" dirty="0">
-                <a:ea typeface="+mn-lt"/>
-                <a:cs typeface="+mn-lt"/>
-              </a:rPr>
-              <a:t> </a:t>
-            </a:r>
-            <a:r>
-              <a:rPr lang="en-US" sz="1400" dirty="0" err="1">
-                <a:ea typeface="+mn-lt"/>
-                <a:cs typeface="+mn-lt"/>
-              </a:rPr>
-              <a:t>области</a:t>
-            </a:r>
-            <a:r>
-              <a:rPr lang="en-US" sz="1400" dirty="0">
-                <a:ea typeface="+mn-lt"/>
-                <a:cs typeface="+mn-lt"/>
-              </a:rPr>
-              <a:t>. </a:t>
-            </a:r>
-            <a:r>
-              <a:rPr lang="en-US" sz="1400" dirty="0" err="1">
-                <a:ea typeface="+mn-lt"/>
-                <a:cs typeface="+mn-lt"/>
-              </a:rPr>
-              <a:t>Рост</a:t>
-            </a:r>
-            <a:r>
-              <a:rPr lang="en-US" sz="1400" dirty="0">
-                <a:ea typeface="+mn-lt"/>
-                <a:cs typeface="+mn-lt"/>
-              </a:rPr>
-              <a:t> </a:t>
-            </a:r>
-            <a:r>
-              <a:rPr lang="en-US" sz="1400" dirty="0" err="1">
-                <a:ea typeface="+mn-lt"/>
-                <a:cs typeface="+mn-lt"/>
-              </a:rPr>
-              <a:t>технических</a:t>
-            </a:r>
-            <a:r>
-              <a:rPr lang="en-US" sz="1400" dirty="0">
-                <a:ea typeface="+mn-lt"/>
-                <a:cs typeface="+mn-lt"/>
-              </a:rPr>
-              <a:t> </a:t>
-            </a:r>
-            <a:r>
-              <a:rPr lang="en-US" sz="1400" dirty="0" err="1">
-                <a:ea typeface="+mn-lt"/>
-                <a:cs typeface="+mn-lt"/>
-              </a:rPr>
-              <a:t>возможностей</a:t>
-            </a:r>
-            <a:r>
-              <a:rPr lang="en-US" sz="1400" dirty="0">
-                <a:ea typeface="+mn-lt"/>
-                <a:cs typeface="+mn-lt"/>
-              </a:rPr>
-              <a:t> и </a:t>
-            </a:r>
-            <a:r>
-              <a:rPr lang="en-US" sz="1400" dirty="0" err="1">
-                <a:ea typeface="+mn-lt"/>
-                <a:cs typeface="+mn-lt"/>
-              </a:rPr>
-              <a:t>распространение</a:t>
-            </a:r>
-            <a:r>
-              <a:rPr lang="en-US" sz="1400" dirty="0">
-                <a:ea typeface="+mn-lt"/>
-                <a:cs typeface="+mn-lt"/>
-              </a:rPr>
-              <a:t> </a:t>
-            </a:r>
-            <a:r>
-              <a:rPr lang="en-US" sz="1400" dirty="0" err="1">
-                <a:ea typeface="+mn-lt"/>
-                <a:cs typeface="+mn-lt"/>
-              </a:rPr>
-              <a:t>высокоскоростного</a:t>
-            </a:r>
-            <a:r>
-              <a:rPr lang="en-US" sz="1400" dirty="0">
-                <a:ea typeface="+mn-lt"/>
-                <a:cs typeface="+mn-lt"/>
-              </a:rPr>
-              <a:t> </a:t>
-            </a:r>
-            <a:r>
-              <a:rPr lang="en-US" sz="1400" dirty="0" err="1">
-                <a:ea typeface="+mn-lt"/>
-                <a:cs typeface="+mn-lt"/>
-              </a:rPr>
-              <a:t>мобильного</a:t>
-            </a:r>
-            <a:r>
-              <a:rPr lang="en-US" sz="1400" dirty="0">
-                <a:ea typeface="+mn-lt"/>
-                <a:cs typeface="+mn-lt"/>
-              </a:rPr>
-              <a:t> </a:t>
-            </a:r>
-            <a:r>
-              <a:rPr lang="en-US" sz="1400" dirty="0" err="1">
-                <a:ea typeface="+mn-lt"/>
-                <a:cs typeface="+mn-lt"/>
-              </a:rPr>
-              <a:t>доступа</a:t>
-            </a:r>
-            <a:r>
-              <a:rPr lang="en-US" sz="1400" dirty="0">
-                <a:ea typeface="+mn-lt"/>
-                <a:cs typeface="+mn-lt"/>
-              </a:rPr>
-              <a:t> с </a:t>
-            </a:r>
-            <a:r>
-              <a:rPr lang="en-US" sz="1400" dirty="0" err="1">
-                <a:ea typeface="+mn-lt"/>
-                <a:cs typeface="+mn-lt"/>
-              </a:rPr>
-              <a:t>сети</a:t>
-            </a:r>
-            <a:r>
-              <a:rPr lang="en-US" sz="1400" dirty="0">
-                <a:ea typeface="+mn-lt"/>
-                <a:cs typeface="+mn-lt"/>
-              </a:rPr>
-              <a:t> </a:t>
-            </a:r>
-            <a:r>
-              <a:rPr lang="en-US" sz="1400" dirty="0" err="1">
-                <a:ea typeface="+mn-lt"/>
-                <a:cs typeface="+mn-lt"/>
-              </a:rPr>
-              <a:t>Интернет</a:t>
-            </a:r>
-            <a:r>
-              <a:rPr lang="en-US" sz="1400" dirty="0">
-                <a:ea typeface="+mn-lt"/>
-                <a:cs typeface="+mn-lt"/>
-              </a:rPr>
-              <a:t> </a:t>
-            </a:r>
-            <a:r>
-              <a:rPr lang="en-US" sz="1400" dirty="0" err="1">
-                <a:ea typeface="+mn-lt"/>
-                <a:cs typeface="+mn-lt"/>
-              </a:rPr>
-              <a:t>также</a:t>
-            </a:r>
-            <a:r>
-              <a:rPr lang="en-US" sz="1400" dirty="0">
-                <a:ea typeface="+mn-lt"/>
-                <a:cs typeface="+mn-lt"/>
-              </a:rPr>
-              <a:t> </a:t>
-            </a:r>
-            <a:r>
-              <a:rPr lang="en-US" sz="1400" dirty="0" err="1">
-                <a:ea typeface="+mn-lt"/>
-                <a:cs typeface="+mn-lt"/>
-              </a:rPr>
-              <a:t>влияют</a:t>
-            </a:r>
-            <a:r>
-              <a:rPr lang="en-US" sz="1400" dirty="0">
-                <a:ea typeface="+mn-lt"/>
-                <a:cs typeface="+mn-lt"/>
-              </a:rPr>
-              <a:t> </a:t>
-            </a:r>
-            <a:r>
-              <a:rPr lang="en-US" sz="1400" dirty="0" err="1">
-                <a:ea typeface="+mn-lt"/>
-                <a:cs typeface="+mn-lt"/>
-              </a:rPr>
-              <a:t>на</a:t>
-            </a:r>
-            <a:r>
-              <a:rPr lang="en-US" sz="1400" dirty="0">
-                <a:ea typeface="+mn-lt"/>
-                <a:cs typeface="+mn-lt"/>
-              </a:rPr>
-              <a:t> </a:t>
-            </a:r>
-            <a:r>
-              <a:rPr lang="en-US" sz="1400" dirty="0" err="1">
-                <a:ea typeface="+mn-lt"/>
-                <a:cs typeface="+mn-lt"/>
-              </a:rPr>
-              <a:t>развитие</a:t>
-            </a:r>
-            <a:r>
-              <a:rPr lang="en-US" sz="1400" dirty="0">
-                <a:ea typeface="+mn-lt"/>
-                <a:cs typeface="+mn-lt"/>
-              </a:rPr>
-              <a:t> </a:t>
-            </a:r>
-            <a:r>
-              <a:rPr lang="en-US" sz="1400" dirty="0" err="1">
-                <a:ea typeface="+mn-lt"/>
-                <a:cs typeface="+mn-lt"/>
-              </a:rPr>
-              <a:t>сегмента</a:t>
-            </a:r>
-            <a:r>
-              <a:rPr lang="en-US" sz="1400" dirty="0">
-                <a:ea typeface="+mn-lt"/>
-                <a:cs typeface="+mn-lt"/>
-              </a:rPr>
-              <a:t>, </a:t>
-            </a:r>
-            <a:r>
-              <a:rPr lang="en-US" sz="1400" dirty="0" err="1">
-                <a:ea typeface="+mn-lt"/>
-                <a:cs typeface="+mn-lt"/>
-              </a:rPr>
-              <a:t>особенно</a:t>
-            </a:r>
-            <a:r>
-              <a:rPr lang="en-US" sz="1400" dirty="0">
-                <a:ea typeface="+mn-lt"/>
-                <a:cs typeface="+mn-lt"/>
-              </a:rPr>
-              <a:t> в </a:t>
-            </a:r>
-            <a:r>
-              <a:rPr lang="en-US" sz="1400" dirty="0" err="1">
-                <a:ea typeface="+mn-lt"/>
-                <a:cs typeface="+mn-lt"/>
-              </a:rPr>
-              <a:t>его</a:t>
-            </a:r>
-            <a:r>
-              <a:rPr lang="en-US" sz="1400" dirty="0">
-                <a:ea typeface="+mn-lt"/>
-                <a:cs typeface="+mn-lt"/>
-              </a:rPr>
-              <a:t> </a:t>
-            </a:r>
-            <a:r>
-              <a:rPr lang="en-US" sz="1400" dirty="0" err="1">
-                <a:ea typeface="+mn-lt"/>
-                <a:cs typeface="+mn-lt"/>
-              </a:rPr>
-              <a:t>многопользовательской</a:t>
-            </a:r>
-            <a:r>
-              <a:rPr lang="en-US" sz="1400" dirty="0">
-                <a:ea typeface="+mn-lt"/>
-                <a:cs typeface="+mn-lt"/>
-              </a:rPr>
-              <a:t> </a:t>
-            </a:r>
-            <a:r>
-              <a:rPr lang="en-US" sz="1400" dirty="0" err="1">
-                <a:ea typeface="+mn-lt"/>
-                <a:cs typeface="+mn-lt"/>
-              </a:rPr>
-              <a:t>части</a:t>
-            </a:r>
-            <a:r>
-              <a:rPr lang="en-US" sz="1400" dirty="0">
-                <a:ea typeface="+mn-lt"/>
-                <a:cs typeface="+mn-lt"/>
-              </a:rPr>
-              <a:t>.</a:t>
-            </a:r>
-            <a:br>
-              <a:rPr lang="en-US" sz="1200" dirty="0">
-                <a:ea typeface="+mn-lt"/>
-                <a:cs typeface="+mn-lt"/>
-              </a:rPr>
-            </a:br>
-            <a:endParaRPr lang="en-US" sz="1200" dirty="0">
-              <a:ea typeface="+mn-lt"/>
-              <a:cs typeface="+mn-lt"/>
-            </a:endParaRPr>
-          </a:p>
-          <a:p>
-            <a:endParaRPr lang="en-US" sz="1200" dirty="0"/>
-          </a:p>
-        </p:txBody>
-      </p:sp>
-      <p:pic>
-        <p:nvPicPr>
-          <p:cNvPr id="9" name="Picture 9" descr="A close up of a logo&#10;&#10;Description generated with high confidence">
-            <a:extLst>
-              <a:ext uri="{FF2B5EF4-FFF2-40B4-BE49-F238E27FC236}">
-                <a16:creationId xmlns:a16="http://schemas.microsoft.com/office/drawing/2014/main" id="{B3E1E39F-2276-40D0-957E-09CC5FB3FCE7}"/>
-              </a:ext>
-            </a:extLst>
-          </p:cNvPr>
-          <p:cNvPicPr>
-            <a:picLocks noChangeAspect="1"/>
-          </p:cNvPicPr>
-          <p:nvPr/>
-        </p:nvPicPr>
-        <p:blipFill>
-          <a:blip r:embed="rId2"/>
-          <a:stretch>
-            <a:fillRect/>
-          </a:stretch>
-        </p:blipFill>
-        <p:spPr>
-          <a:xfrm>
-            <a:off x="475499" y="2036623"/>
-            <a:ext cx="5195255" cy="2792450"/>
-          </a:xfrm>
-          <a:prstGeom prst="rect">
-            <a:avLst/>
-          </a:prstGeom>
-        </p:spPr>
-      </p:pic>
-      <p:sp>
-        <p:nvSpPr>
-          <p:cNvPr id="11" name="TextBox 10">
-            <a:extLst>
-              <a:ext uri="{FF2B5EF4-FFF2-40B4-BE49-F238E27FC236}">
-                <a16:creationId xmlns:a16="http://schemas.microsoft.com/office/drawing/2014/main" id="{E99E49F0-7F78-4799-ACCA-C5874639411C}"/>
-              </a:ext>
-            </a:extLst>
-          </p:cNvPr>
-          <p:cNvSpPr txBox="1"/>
-          <p:nvPr/>
-        </p:nvSpPr>
-        <p:spPr>
-          <a:xfrm>
-            <a:off x="3543300" y="3257550"/>
-            <a:ext cx="2057400" cy="196208"/>
-          </a:xfrm>
-          <a:prstGeom prst="rect">
-            <a:avLst/>
-          </a:prstGeom>
-          <a:noFill/>
-        </p:spPr>
-        <p:txBody>
-          <a:bodyPr rot="0" spcFirstLastPara="0" vertOverflow="overflow" horzOverflow="overflow" vert="horz" wrap="square" lIns="68580" tIns="34290" rIns="68580" bIns="34290" numCol="1" spcCol="0" rtlCol="0" fromWordArt="0" anchor="t" anchorCtr="0" forceAA="0" compatLnSpc="1">
-            <a:prstTxWarp prst="textNoShape">
-              <a:avLst/>
-            </a:prstTxWarp>
-            <a:spAutoFit/>
-          </a:bodyPr>
-          <a:lstStyle/>
-          <a:p>
-            <a:endParaRPr lang="en-US" sz="825">
-              <a:latin typeface="Calibri"/>
-              <a:cs typeface="Calibri"/>
-            </a:endParaRPr>
+              <a:rPr lang="en-US" sz="2400" dirty="0" err="1"/>
+              <a:t>Задачи</a:t>
+            </a:r>
+            <a:r>
+              <a:rPr lang="en-US" sz="2400" dirty="0"/>
+              <a:t>:</a:t>
+            </a:r>
+          </a:p>
+          <a:p>
+            <a:pPr lvl="1"/>
+            <a:r>
+              <a:rPr lang="ru-RU" sz="2000" dirty="0"/>
+              <a:t>Провести анализ</a:t>
+            </a:r>
+            <a:r>
+              <a:rPr lang="en-US" sz="2000" dirty="0"/>
+              <a:t> </a:t>
+            </a:r>
+            <a:r>
+              <a:rPr lang="en-US" sz="2000" dirty="0" err="1"/>
+              <a:t>рын</a:t>
+            </a:r>
+            <a:r>
+              <a:rPr lang="ru-RU" sz="2000" dirty="0" err="1"/>
+              <a:t>ка</a:t>
+            </a:r>
+            <a:r>
+              <a:rPr lang="en-US" sz="2000" dirty="0"/>
+              <a:t> </a:t>
+            </a:r>
+            <a:r>
+              <a:rPr lang="en-US" sz="2000" dirty="0" err="1"/>
+              <a:t>видеоигр</a:t>
+            </a:r>
+            <a:r>
+              <a:rPr lang="en-US" sz="2000" dirty="0"/>
+              <a:t>;</a:t>
+            </a:r>
+          </a:p>
+          <a:p>
+            <a:pPr lvl="1"/>
+            <a:r>
+              <a:rPr lang="en-US" sz="2000" dirty="0" err="1">
+                <a:ea typeface="+mn-lt"/>
+                <a:cs typeface="+mn-lt"/>
+              </a:rPr>
+              <a:t>Изучить</a:t>
+            </a:r>
+            <a:r>
+              <a:rPr lang="en-US" sz="2000" dirty="0">
+                <a:ea typeface="+mn-lt"/>
+                <a:cs typeface="+mn-lt"/>
+              </a:rPr>
+              <a:t> </a:t>
+            </a:r>
+            <a:r>
+              <a:rPr lang="en-US" sz="2000" dirty="0" err="1">
+                <a:ea typeface="+mn-lt"/>
+                <a:cs typeface="+mn-lt"/>
+              </a:rPr>
+              <a:t>возможности</a:t>
+            </a:r>
+            <a:r>
+              <a:rPr lang="en-US" sz="2000" dirty="0">
+                <a:ea typeface="+mn-lt"/>
+                <a:cs typeface="+mn-lt"/>
+              </a:rPr>
+              <a:t> </a:t>
+            </a:r>
+            <a:r>
+              <a:rPr lang="en-US" sz="2000" dirty="0" err="1">
+                <a:ea typeface="+mn-lt"/>
+                <a:cs typeface="+mn-lt"/>
+              </a:rPr>
+              <a:t>игрового</a:t>
+            </a:r>
+            <a:r>
+              <a:rPr lang="en-US" sz="2000" dirty="0">
+                <a:ea typeface="+mn-lt"/>
+                <a:cs typeface="+mn-lt"/>
+              </a:rPr>
+              <a:t> </a:t>
+            </a:r>
+            <a:r>
+              <a:rPr lang="en-US" sz="2000" dirty="0" err="1">
+                <a:ea typeface="+mn-lt"/>
+                <a:cs typeface="+mn-lt"/>
+              </a:rPr>
+              <a:t>движка</a:t>
+            </a:r>
+            <a:r>
+              <a:rPr lang="en-US" sz="2000" dirty="0">
+                <a:ea typeface="+mn-lt"/>
+                <a:cs typeface="+mn-lt"/>
+              </a:rPr>
+              <a:t> Unreal Engine 4;</a:t>
+            </a:r>
+          </a:p>
+          <a:p>
+            <a:pPr lvl="1"/>
+            <a:r>
+              <a:rPr lang="ru-RU" sz="2000" dirty="0"/>
+              <a:t>Продумать концепцию игры</a:t>
+            </a:r>
+            <a:r>
+              <a:rPr lang="en-US" sz="2000" dirty="0"/>
+              <a:t>;</a:t>
+            </a:r>
+          </a:p>
+          <a:p>
+            <a:pPr lvl="1"/>
+            <a:r>
+              <a:rPr lang="ru-RU" sz="2000" dirty="0"/>
+              <a:t>Провести начальную проработку игрового дизайна;</a:t>
+            </a:r>
+          </a:p>
+          <a:p>
+            <a:pPr lvl="1"/>
+            <a:r>
+              <a:rPr lang="ru-RU" sz="2000" dirty="0"/>
+              <a:t>Разнообразить </a:t>
+            </a:r>
+            <a:r>
+              <a:rPr lang="ru-RU" sz="2000" dirty="0" err="1"/>
+              <a:t>геймплей</a:t>
+            </a:r>
+            <a:r>
+              <a:rPr lang="ru-RU" sz="2000" dirty="0"/>
+              <a:t> с помощью языка программирования </a:t>
+            </a:r>
+            <a:r>
+              <a:rPr lang="en-US" sz="2000" dirty="0"/>
+              <a:t>C++</a:t>
+            </a:r>
+            <a:r>
+              <a:rPr lang="ru-RU" sz="2000" dirty="0"/>
+              <a:t>;</a:t>
+            </a:r>
+          </a:p>
+          <a:p>
+            <a:pPr lvl="1"/>
+            <a:r>
+              <a:rPr lang="ru-RU" sz="2000" dirty="0"/>
+              <a:t>Провести тестирование, выявить и исправить ошибки;</a:t>
+            </a:r>
+          </a:p>
+          <a:p>
+            <a:pPr lvl="1"/>
+            <a:r>
+              <a:rPr lang="ru-RU" sz="2000" dirty="0"/>
+              <a:t>Презентовать игровой продукт.</a:t>
+            </a:r>
+          </a:p>
+          <a:p>
+            <a:pPr lvl="1"/>
+            <a:endParaRPr lang="en-US" dirty="0"/>
+          </a:p>
+          <a:p>
+            <a:pPr lvl="1"/>
+            <a:endParaRPr lang="en-US" dirty="0"/>
+          </a:p>
+          <a:p>
+            <a:pPr lvl="1"/>
+            <a:endParaRPr lang="en-US" dirty="0"/>
           </a:p>
         </p:txBody>
       </p:sp>
     </p:spTree>
     <p:extLst>
       <p:ext uri="{BB962C8B-B14F-4D97-AF65-F5344CB8AC3E}">
-        <p14:creationId xmlns:p14="http://schemas.microsoft.com/office/powerpoint/2010/main" val="1952000007"/>
+        <p14:creationId xmlns:p14="http://schemas.microsoft.com/office/powerpoint/2010/main" val="2856292990"/>
       </p:ext>
     </p:extLst>
   </p:cSld>
@@ -4592,8 +4222,8 @@
         </p:nvSpPr>
         <p:spPr>
           <a:xfrm>
-            <a:off x="5909006" y="1337310"/>
-            <a:ext cx="2306877" cy="994172"/>
+            <a:off x="946404" y="470535"/>
+            <a:ext cx="3716190" cy="1606948"/>
           </a:xfrm>
         </p:spPr>
         <p:txBody>
@@ -4602,7 +4232,7 @@
           </a:bodyPr>
           <a:lstStyle/>
           <a:p>
-            <a:endParaRPr lang="en-US" sz="2400"/>
+            <a:endParaRPr lang="en-US"/>
           </a:p>
         </p:txBody>
       </p:sp>
@@ -4624,8 +4254,8 @@
         </p:nvSpPr>
         <p:spPr>
           <a:xfrm>
-            <a:off x="5909006" y="2309966"/>
-            <a:ext cx="2306877" cy="3182387"/>
+            <a:off x="946404" y="2238374"/>
+            <a:ext cx="3716190" cy="4046538"/>
           </a:xfrm>
         </p:spPr>
         <p:txBody>
@@ -4635,433 +4265,387 @@
           <a:lstStyle/>
           <a:p>
             <a:r>
-              <a:rPr lang="en-US" sz="1400" dirty="0" err="1">
+              <a:rPr lang="en-US" dirty="0" err="1">
                 <a:ea typeface="+mn-lt"/>
                 <a:cs typeface="+mn-lt"/>
               </a:rPr>
               <a:t>Игровая</a:t>
             </a:r>
             <a:r>
-              <a:rPr lang="en-US" sz="1400" dirty="0">
-                <a:ea typeface="+mn-lt"/>
-                <a:cs typeface="+mn-lt"/>
-              </a:rPr>
-              <a:t> </a:t>
-            </a:r>
-            <a:r>
-              <a:rPr lang="en-US" sz="1400" dirty="0" err="1">
+              <a:rPr lang="en-US" dirty="0">
+                <a:ea typeface="+mn-lt"/>
+                <a:cs typeface="+mn-lt"/>
+              </a:rPr>
+              <a:t> </a:t>
+            </a:r>
+            <a:r>
+              <a:rPr lang="en-US" dirty="0" err="1">
                 <a:ea typeface="+mn-lt"/>
                 <a:cs typeface="+mn-lt"/>
               </a:rPr>
               <a:t>индустрия</a:t>
             </a:r>
             <a:r>
-              <a:rPr lang="en-US" sz="1400" dirty="0">
-                <a:ea typeface="+mn-lt"/>
-                <a:cs typeface="+mn-lt"/>
-              </a:rPr>
-              <a:t> </a:t>
-            </a:r>
-            <a:r>
-              <a:rPr lang="en-US" sz="1400" dirty="0" err="1">
+              <a:rPr lang="en-US" dirty="0">
+                <a:ea typeface="+mn-lt"/>
+                <a:cs typeface="+mn-lt"/>
+              </a:rPr>
+              <a:t> </a:t>
+            </a:r>
+            <a:r>
+              <a:rPr lang="en-US" dirty="0" err="1">
                 <a:ea typeface="+mn-lt"/>
                 <a:cs typeface="+mn-lt"/>
               </a:rPr>
               <a:t>продолжает</a:t>
             </a:r>
             <a:r>
-              <a:rPr lang="en-US" sz="1400" dirty="0">
-                <a:ea typeface="+mn-lt"/>
-                <a:cs typeface="+mn-lt"/>
-              </a:rPr>
-              <a:t> </a:t>
-            </a:r>
-            <a:r>
-              <a:rPr lang="en-US" sz="1400" dirty="0" err="1">
+              <a:rPr lang="en-US" dirty="0">
+                <a:ea typeface="+mn-lt"/>
+                <a:cs typeface="+mn-lt"/>
+              </a:rPr>
+              <a:t> </a:t>
+            </a:r>
+            <a:r>
+              <a:rPr lang="en-US" dirty="0" err="1">
                 <a:ea typeface="+mn-lt"/>
                 <a:cs typeface="+mn-lt"/>
               </a:rPr>
               <a:t>свой</a:t>
             </a:r>
             <a:r>
-              <a:rPr lang="en-US" sz="1400" dirty="0">
-                <a:ea typeface="+mn-lt"/>
-                <a:cs typeface="+mn-lt"/>
-              </a:rPr>
-              <a:t> </a:t>
-            </a:r>
-            <a:r>
-              <a:rPr lang="en-US" sz="1400" dirty="0" err="1">
+              <a:rPr lang="en-US" dirty="0">
+                <a:ea typeface="+mn-lt"/>
+                <a:cs typeface="+mn-lt"/>
+              </a:rPr>
+              <a:t> </a:t>
+            </a:r>
+            <a:r>
+              <a:rPr lang="en-US" dirty="0" err="1">
                 <a:ea typeface="+mn-lt"/>
                 <a:cs typeface="+mn-lt"/>
               </a:rPr>
               <a:t>рост</a:t>
             </a:r>
             <a:r>
-              <a:rPr lang="en-US" sz="1400" dirty="0">
+              <a:rPr lang="en-US" dirty="0">
                 <a:ea typeface="+mn-lt"/>
                 <a:cs typeface="+mn-lt"/>
               </a:rPr>
               <a:t>. </a:t>
             </a:r>
             <a:r>
-              <a:rPr lang="en-US" sz="1400" dirty="0" err="1">
+              <a:rPr lang="en-US" dirty="0" err="1">
                 <a:ea typeface="+mn-lt"/>
                 <a:cs typeface="+mn-lt"/>
               </a:rPr>
               <a:t>По</a:t>
             </a:r>
             <a:r>
-              <a:rPr lang="en-US" sz="1400" dirty="0">
-                <a:ea typeface="+mn-lt"/>
-                <a:cs typeface="+mn-lt"/>
-              </a:rPr>
-              <a:t> </a:t>
-            </a:r>
-            <a:r>
-              <a:rPr lang="en-US" sz="1400" u="sng" dirty="0" err="1">
+              <a:rPr lang="en-US" dirty="0">
+                <a:ea typeface="+mn-lt"/>
+                <a:cs typeface="+mn-lt"/>
+              </a:rPr>
+              <a:t> </a:t>
+            </a:r>
+            <a:r>
+              <a:rPr lang="en-US" u="sng" dirty="0" err="1">
                 <a:ea typeface="+mn-lt"/>
                 <a:cs typeface="+mn-lt"/>
               </a:rPr>
               <a:t>данным</a:t>
             </a:r>
             <a:r>
-              <a:rPr lang="en-US" sz="1400" dirty="0">
-                <a:ea typeface="+mn-lt"/>
-                <a:cs typeface="+mn-lt"/>
-              </a:rPr>
-              <a:t> </a:t>
-            </a:r>
-            <a:r>
-              <a:rPr lang="en-US" sz="1400" dirty="0" err="1">
+              <a:rPr lang="en-US" dirty="0">
+                <a:ea typeface="+mn-lt"/>
+                <a:cs typeface="+mn-lt"/>
+              </a:rPr>
+              <a:t> </a:t>
+            </a:r>
+            <a:r>
+              <a:rPr lang="en-US" dirty="0" err="1">
                 <a:ea typeface="+mn-lt"/>
                 <a:cs typeface="+mn-lt"/>
               </a:rPr>
               <a:t>Newzoo</a:t>
             </a:r>
             <a:r>
-              <a:rPr lang="en-US" sz="1400" dirty="0">
-                <a:ea typeface="+mn-lt"/>
-                <a:cs typeface="+mn-lt"/>
-              </a:rPr>
-              <a:t>, в 2018-м </a:t>
-            </a:r>
-            <a:r>
-              <a:rPr lang="en-US" sz="1400" dirty="0" err="1">
+              <a:rPr lang="en-US" dirty="0">
+                <a:ea typeface="+mn-lt"/>
+                <a:cs typeface="+mn-lt"/>
+              </a:rPr>
+              <a:t>, в 2019-м </a:t>
+            </a:r>
+            <a:r>
+              <a:rPr lang="en-US" dirty="0" err="1">
                 <a:ea typeface="+mn-lt"/>
                 <a:cs typeface="+mn-lt"/>
               </a:rPr>
               <a:t>объём</a:t>
             </a:r>
             <a:r>
-              <a:rPr lang="en-US" sz="1400" dirty="0">
-                <a:ea typeface="+mn-lt"/>
-                <a:cs typeface="+mn-lt"/>
-              </a:rPr>
-              <a:t> </a:t>
-            </a:r>
-            <a:r>
-              <a:rPr lang="en-US" sz="1400" dirty="0" err="1">
+              <a:rPr lang="en-US" dirty="0">
+                <a:ea typeface="+mn-lt"/>
+                <a:cs typeface="+mn-lt"/>
+              </a:rPr>
+              <a:t> </a:t>
+            </a:r>
+            <a:r>
+              <a:rPr lang="en-US" dirty="0" err="1">
                 <a:ea typeface="+mn-lt"/>
                 <a:cs typeface="+mn-lt"/>
               </a:rPr>
               <a:t>всего</a:t>
             </a:r>
             <a:r>
-              <a:rPr lang="en-US" sz="1400" dirty="0">
-                <a:ea typeface="+mn-lt"/>
-                <a:cs typeface="+mn-lt"/>
-              </a:rPr>
-              <a:t> </a:t>
-            </a:r>
-            <a:r>
-              <a:rPr lang="en-US" sz="1400" dirty="0" err="1">
+              <a:rPr lang="en-US" dirty="0">
+                <a:ea typeface="+mn-lt"/>
+                <a:cs typeface="+mn-lt"/>
+              </a:rPr>
+              <a:t> </a:t>
+            </a:r>
+            <a:r>
+              <a:rPr lang="en-US" dirty="0" err="1">
                 <a:ea typeface="+mn-lt"/>
                 <a:cs typeface="+mn-lt"/>
               </a:rPr>
               <a:t>рынка</a:t>
             </a:r>
             <a:r>
-              <a:rPr lang="en-US" sz="1400" dirty="0">
-                <a:ea typeface="+mn-lt"/>
-                <a:cs typeface="+mn-lt"/>
-              </a:rPr>
-              <a:t> </a:t>
-            </a:r>
-            <a:r>
-              <a:rPr lang="en-US" sz="1400" dirty="0" err="1">
+              <a:rPr lang="en-US" dirty="0">
+                <a:ea typeface="+mn-lt"/>
+                <a:cs typeface="+mn-lt"/>
+              </a:rPr>
+              <a:t> </a:t>
+            </a:r>
+            <a:r>
+              <a:rPr lang="en-US" dirty="0" err="1">
                 <a:ea typeface="+mn-lt"/>
                 <a:cs typeface="+mn-lt"/>
               </a:rPr>
               <a:t>достиг</a:t>
             </a:r>
             <a:r>
-              <a:rPr lang="en-US" sz="1400" dirty="0">
-                <a:ea typeface="+mn-lt"/>
-                <a:cs typeface="+mn-lt"/>
-              </a:rPr>
-              <a:t> 134,9 </a:t>
-            </a:r>
-            <a:r>
-              <a:rPr lang="en-US" sz="1400" dirty="0" err="1">
+              <a:rPr lang="en-US" dirty="0">
+                <a:ea typeface="+mn-lt"/>
+                <a:cs typeface="+mn-lt"/>
+              </a:rPr>
+              <a:t> 148,8 </a:t>
+            </a:r>
+            <a:r>
+              <a:rPr lang="en-US" dirty="0" err="1">
                 <a:ea typeface="+mn-lt"/>
                 <a:cs typeface="+mn-lt"/>
               </a:rPr>
               <a:t>миллиардов</a:t>
             </a:r>
             <a:r>
-              <a:rPr lang="en-US" sz="1400" dirty="0">
-                <a:ea typeface="+mn-lt"/>
-                <a:cs typeface="+mn-lt"/>
-              </a:rPr>
-              <a:t> </a:t>
-            </a:r>
-            <a:r>
-              <a:rPr lang="en-US" sz="1400" dirty="0" err="1">
+              <a:rPr lang="en-US" dirty="0">
+                <a:ea typeface="+mn-lt"/>
+                <a:cs typeface="+mn-lt"/>
+              </a:rPr>
+              <a:t> </a:t>
+            </a:r>
+            <a:r>
+              <a:rPr lang="en-US" dirty="0" err="1">
                 <a:ea typeface="+mn-lt"/>
                 <a:cs typeface="+mn-lt"/>
               </a:rPr>
               <a:t>долларов</a:t>
             </a:r>
             <a:r>
-              <a:rPr lang="en-US" sz="1400" dirty="0">
+              <a:rPr lang="en-US" dirty="0">
                 <a:ea typeface="+mn-lt"/>
                 <a:cs typeface="+mn-lt"/>
               </a:rPr>
               <a:t>. </a:t>
             </a:r>
             <a:r>
-              <a:rPr lang="en-US" sz="1400" dirty="0" err="1">
+              <a:rPr lang="en-US" dirty="0" err="1">
                 <a:ea typeface="+mn-lt"/>
                 <a:cs typeface="+mn-lt"/>
               </a:rPr>
               <a:t>Это</a:t>
             </a:r>
             <a:r>
-              <a:rPr lang="en-US" sz="1400" dirty="0">
-                <a:ea typeface="+mn-lt"/>
-                <a:cs typeface="+mn-lt"/>
-              </a:rPr>
-              <a:t> </a:t>
-            </a:r>
-            <a:r>
-              <a:rPr lang="en-US" sz="1400" dirty="0" err="1">
+              <a:rPr lang="en-US" dirty="0">
+                <a:ea typeface="+mn-lt"/>
+                <a:cs typeface="+mn-lt"/>
+              </a:rPr>
+              <a:t> </a:t>
+            </a:r>
+            <a:r>
+              <a:rPr lang="en-US" dirty="0" err="1">
                 <a:ea typeface="+mn-lt"/>
                 <a:cs typeface="+mn-lt"/>
               </a:rPr>
               <a:t>на</a:t>
             </a:r>
             <a:r>
-              <a:rPr lang="en-US" sz="1400" dirty="0">
-                <a:ea typeface="+mn-lt"/>
-                <a:cs typeface="+mn-lt"/>
-              </a:rPr>
-              <a:t> 10,9% </a:t>
-            </a:r>
-            <a:r>
-              <a:rPr lang="en-US" sz="1400" dirty="0" err="1">
+              <a:rPr lang="en-US" dirty="0">
+                <a:ea typeface="+mn-lt"/>
+                <a:cs typeface="+mn-lt"/>
+              </a:rPr>
+              <a:t> 7,2% </a:t>
+            </a:r>
+            <a:r>
+              <a:rPr lang="en-US" dirty="0" err="1">
                 <a:ea typeface="+mn-lt"/>
                 <a:cs typeface="+mn-lt"/>
               </a:rPr>
               <a:t>больше</a:t>
             </a:r>
             <a:r>
-              <a:rPr lang="en-US" sz="1400" dirty="0">
+              <a:rPr lang="en-US" dirty="0">
                 <a:ea typeface="+mn-lt"/>
                 <a:cs typeface="+mn-lt"/>
               </a:rPr>
               <a:t>, </a:t>
             </a:r>
             <a:r>
-              <a:rPr lang="en-US" sz="1400" dirty="0" err="1">
+              <a:rPr lang="en-US" dirty="0" err="1">
                 <a:ea typeface="+mn-lt"/>
                 <a:cs typeface="+mn-lt"/>
               </a:rPr>
               <a:t>чем</a:t>
             </a:r>
             <a:r>
-              <a:rPr lang="en-US" sz="1400" dirty="0">
-                <a:ea typeface="+mn-lt"/>
-                <a:cs typeface="+mn-lt"/>
-              </a:rPr>
-              <a:t> </a:t>
-            </a:r>
-            <a:r>
-              <a:rPr lang="en-US" sz="1400" dirty="0" err="1">
+              <a:rPr lang="en-US" dirty="0">
+                <a:ea typeface="+mn-lt"/>
+                <a:cs typeface="+mn-lt"/>
+              </a:rPr>
+              <a:t> </a:t>
+            </a:r>
+            <a:r>
+              <a:rPr lang="en-US" dirty="0" err="1">
                 <a:ea typeface="+mn-lt"/>
                 <a:cs typeface="+mn-lt"/>
               </a:rPr>
               <a:t>годом</a:t>
             </a:r>
             <a:r>
-              <a:rPr lang="en-US" sz="1400" dirty="0">
-                <a:ea typeface="+mn-lt"/>
-                <a:cs typeface="+mn-lt"/>
-              </a:rPr>
-              <a:t> </a:t>
-            </a:r>
-            <a:r>
-              <a:rPr lang="en-US" sz="1400" dirty="0" err="1">
+              <a:rPr lang="en-US" dirty="0">
+                <a:ea typeface="+mn-lt"/>
+                <a:cs typeface="+mn-lt"/>
+              </a:rPr>
+              <a:t> </a:t>
+            </a:r>
+            <a:r>
+              <a:rPr lang="en-US" dirty="0" err="1">
                 <a:ea typeface="+mn-lt"/>
                 <a:cs typeface="+mn-lt"/>
               </a:rPr>
               <a:t>ранее</a:t>
             </a:r>
             <a:r>
-              <a:rPr lang="en-US" sz="1400" dirty="0">
+              <a:rPr lang="en-US" dirty="0">
                 <a:ea typeface="+mn-lt"/>
                 <a:cs typeface="+mn-lt"/>
               </a:rPr>
               <a:t>. </a:t>
             </a:r>
-            <a:r>
-              <a:rPr lang="en-US" sz="1400" dirty="0" err="1">
-                <a:ea typeface="+mn-lt"/>
-                <a:cs typeface="+mn-lt"/>
-              </a:rPr>
-              <a:t>Темпы</a:t>
-            </a:r>
-            <a:r>
-              <a:rPr lang="en-US" sz="1400" dirty="0">
-                <a:ea typeface="+mn-lt"/>
-                <a:cs typeface="+mn-lt"/>
-              </a:rPr>
-              <a:t> </a:t>
-            </a:r>
-            <a:r>
-              <a:rPr lang="en-US" sz="1400" dirty="0" err="1">
-                <a:ea typeface="+mn-lt"/>
-                <a:cs typeface="+mn-lt"/>
-              </a:rPr>
-              <a:t>роста</a:t>
-            </a:r>
-            <a:r>
-              <a:rPr lang="en-US" sz="1400" dirty="0">
-                <a:ea typeface="+mn-lt"/>
-                <a:cs typeface="+mn-lt"/>
-              </a:rPr>
-              <a:t> </a:t>
-            </a:r>
-            <a:r>
-              <a:rPr lang="en-US" sz="1400" dirty="0" err="1">
-                <a:ea typeface="+mn-lt"/>
-                <a:cs typeface="+mn-lt"/>
-              </a:rPr>
-              <a:t>индустрии</a:t>
-            </a:r>
-            <a:r>
-              <a:rPr lang="en-US" sz="1400" dirty="0">
-                <a:ea typeface="+mn-lt"/>
-                <a:cs typeface="+mn-lt"/>
-              </a:rPr>
-              <a:t> </a:t>
-            </a:r>
-            <a:r>
-              <a:rPr lang="en-US" sz="1400" dirty="0" err="1">
-                <a:ea typeface="+mn-lt"/>
-                <a:cs typeface="+mn-lt"/>
-              </a:rPr>
-              <a:t>остаются</a:t>
-            </a:r>
-            <a:r>
-              <a:rPr lang="en-US" sz="1400" dirty="0">
-                <a:ea typeface="+mn-lt"/>
-                <a:cs typeface="+mn-lt"/>
-              </a:rPr>
-              <a:t> </a:t>
-            </a:r>
-            <a:r>
-              <a:rPr lang="en-US" sz="1400" dirty="0" err="1">
-                <a:ea typeface="+mn-lt"/>
-                <a:cs typeface="+mn-lt"/>
-              </a:rPr>
-              <a:t>стабильными</a:t>
-            </a:r>
-            <a:r>
-              <a:rPr lang="en-US" sz="1400" dirty="0">
-                <a:ea typeface="+mn-lt"/>
-                <a:cs typeface="+mn-lt"/>
-              </a:rPr>
-              <a:t> — в 2017-м </a:t>
-            </a:r>
-            <a:r>
-              <a:rPr lang="en-US" sz="1400" dirty="0" err="1">
-                <a:ea typeface="+mn-lt"/>
-                <a:cs typeface="+mn-lt"/>
-              </a:rPr>
-              <a:t>её</a:t>
-            </a:r>
-            <a:r>
-              <a:rPr lang="en-US" sz="1400" dirty="0">
-                <a:ea typeface="+mn-lt"/>
-                <a:cs typeface="+mn-lt"/>
-              </a:rPr>
-              <a:t> </a:t>
-            </a:r>
-            <a:r>
-              <a:rPr lang="en-US" sz="1400" dirty="0" err="1">
+          </a:p>
+          <a:p>
+            <a:r>
+              <a:rPr lang="en-US" dirty="0">
+                <a:ea typeface="+mn-lt"/>
+                <a:cs typeface="+mn-lt"/>
+              </a:rPr>
+              <a:t>В 2018-м </a:t>
+            </a:r>
+            <a:r>
+              <a:rPr lang="en-US" dirty="0" err="1">
                 <a:ea typeface="+mn-lt"/>
                 <a:cs typeface="+mn-lt"/>
               </a:rPr>
               <a:t>объём</a:t>
             </a:r>
             <a:r>
-              <a:rPr lang="en-US" sz="1400" dirty="0">
-                <a:ea typeface="+mn-lt"/>
-                <a:cs typeface="+mn-lt"/>
-              </a:rPr>
-              <a:t> </a:t>
-            </a:r>
-            <a:r>
-              <a:rPr lang="en-US" sz="1400" dirty="0" err="1">
+              <a:rPr lang="en-US" dirty="0">
+                <a:ea typeface="+mn-lt"/>
+                <a:cs typeface="+mn-lt"/>
+              </a:rPr>
+              <a:t> </a:t>
+            </a:r>
+            <a:r>
+              <a:rPr lang="en-US" dirty="0" err="1">
                 <a:ea typeface="+mn-lt"/>
                 <a:cs typeface="+mn-lt"/>
               </a:rPr>
               <a:t>увеличился</a:t>
             </a:r>
             <a:r>
-              <a:rPr lang="en-US" sz="1400" dirty="0">
-                <a:ea typeface="+mn-lt"/>
-                <a:cs typeface="+mn-lt"/>
-              </a:rPr>
-              <a:t> </a:t>
-            </a:r>
-            <a:r>
-              <a:rPr lang="en-US" sz="1400" dirty="0" err="1">
+              <a:rPr lang="en-US" dirty="0">
+                <a:ea typeface="+mn-lt"/>
+                <a:cs typeface="+mn-lt"/>
+              </a:rPr>
+              <a:t> </a:t>
+            </a:r>
+            <a:r>
+              <a:rPr lang="en-US" dirty="0" err="1">
                 <a:ea typeface="+mn-lt"/>
                 <a:cs typeface="+mn-lt"/>
               </a:rPr>
               <a:t>на</a:t>
             </a:r>
             <a:r>
-              <a:rPr lang="en-US" sz="1400" dirty="0">
-                <a:ea typeface="+mn-lt"/>
-                <a:cs typeface="+mn-lt"/>
-              </a:rPr>
-              <a:t> 10,7%.</a:t>
+              <a:rPr lang="en-US" dirty="0">
+                <a:ea typeface="+mn-lt"/>
+                <a:cs typeface="+mn-lt"/>
+              </a:rPr>
+              <a:t> 10,9%.</a:t>
             </a:r>
             <a:br>
-              <a:rPr lang="en-US" sz="1400" dirty="0">
+              <a:rPr lang="en-US" dirty="0">
                 <a:ea typeface="+mn-lt"/>
                 <a:cs typeface="+mn-lt"/>
               </a:rPr>
             </a:br>
-            <a:endParaRPr lang="en-US" sz="1200" dirty="0">
+            <a:endParaRPr lang="en-US" dirty="0">
               <a:ea typeface="+mn-lt"/>
               <a:cs typeface="+mn-lt"/>
             </a:endParaRPr>
           </a:p>
           <a:p>
-            <a:endParaRPr lang="en-US" sz="1200" dirty="0"/>
+            <a:endParaRPr lang="en-US"/>
           </a:p>
         </p:txBody>
       </p:sp>
       <p:pic>
         <p:nvPicPr>
-          <p:cNvPr id="4" name="Picture 4" descr="A screenshot of a cell phone&#10;&#10;Description generated with high confidence">
+          <p:cNvPr id="3" name="Picture 4" descr="A screenshot of a cell phone&#10;&#10;Description generated with high confidence">
             <a:extLst>
               <a:ext uri="{FF2B5EF4-FFF2-40B4-BE49-F238E27FC236}">
-                <a16:creationId xmlns:a16="http://schemas.microsoft.com/office/drawing/2014/main" id="{2CA4A8D9-E4F0-4D25-9E78-5766C286F52B}"/>
+                <a16:creationId xmlns:a16="http://schemas.microsoft.com/office/drawing/2014/main" id="{75092957-8EB7-4D81-AE29-529916F77E62}"/>
+              </a:ext>
+            </a:extLst>
+          </p:cNvPr>
+          <p:cNvPicPr>
+            <a:picLocks noChangeAspect="1"/>
+          </p:cNvPicPr>
+          <p:nvPr/>
+        </p:nvPicPr>
+        <p:blipFill rotWithShape="1">
+          <a:blip r:embed="rId2"/>
+          <a:srcRect l="2318" t="3542" r="29675" b="13351"/>
+          <a:stretch/>
+        </p:blipFill>
+        <p:spPr>
+          <a:xfrm>
+            <a:off x="4321300" y="968179"/>
+            <a:ext cx="4058240" cy="2796246"/>
+          </a:xfrm>
+          <a:prstGeom prst="rect">
+            <a:avLst/>
+          </a:prstGeom>
+        </p:spPr>
+      </p:pic>
+      <p:pic>
+        <p:nvPicPr>
+          <p:cNvPr id="7" name="Picture 7" descr="A screenshot of a cell phone&#10;&#10;Description generated with high confidence">
+            <a:extLst>
+              <a:ext uri="{FF2B5EF4-FFF2-40B4-BE49-F238E27FC236}">
+                <a16:creationId xmlns:a16="http://schemas.microsoft.com/office/drawing/2014/main" id="{6C0C30E9-7A39-4DD8-BA7C-ADE81A4479FE}"/>
               </a:ext>
             </a:extLst>
           </p:cNvPr>
@@ -5071,15 +4655,15 @@
           <p:nvPr/>
         </p:nvPicPr>
         <p:blipFill>
-          <a:blip r:embed="rId2"/>
+          <a:blip r:embed="rId3"/>
           <a:stretch>
             <a:fillRect/>
           </a:stretch>
         </p:blipFill>
         <p:spPr>
           <a:xfrm>
-            <a:off x="629350" y="1337310"/>
-            <a:ext cx="4887552" cy="4191076"/>
+            <a:off x="4321299" y="3771554"/>
+            <a:ext cx="4058241" cy="2032848"/>
           </a:xfrm>
           <a:prstGeom prst="rect">
             <a:avLst/>
@@ -5100,7 +4684,7 @@
         </p:nvSpPr>
         <p:spPr>
           <a:xfrm>
-            <a:off x="3543300" y="3257550"/>
+            <a:off x="3056547" y="3301010"/>
             <a:ext cx="2057400" cy="196208"/>
           </a:xfrm>
           <a:prstGeom prst="rect">
@@ -6172,7 +5756,7 @@
           <p:nvPr/>
         </p:nvPicPr>
         <p:blipFill rotWithShape="1">
-          <a:blip r:embed="rId2"/>
+          <a:blip r:embed="rId2" cstate="print"/>
           <a:srcRect l="28534" t="14597" r="29450" b="8837"/>
           <a:stretch/>
         </p:blipFill>
@@ -6281,7 +5865,7 @@
           </p:nvPr>
         </p:nvPicPr>
         <p:blipFill rotWithShape="1">
-          <a:blip r:embed="rId2"/>
+          <a:blip r:embed="rId2" cstate="print"/>
           <a:srcRect l="467" r="67710" b="-1"/>
           <a:stretch/>
         </p:blipFill>
@@ -6310,7 +5894,7 @@
           <p:nvPr/>
         </p:nvPicPr>
         <p:blipFill rotWithShape="1">
-          <a:blip r:embed="rId3"/>
+          <a:blip r:embed="rId3" cstate="print"/>
           <a:srcRect l="14266" r="19541"/>
           <a:stretch/>
         </p:blipFill>
@@ -6527,7 +6111,7 @@
           <p:nvPr/>
         </p:nvPicPr>
         <p:blipFill>
-          <a:blip r:embed="rId2"/>
+          <a:blip r:embed="rId2" cstate="print"/>
           <a:stretch>
             <a:fillRect/>
           </a:stretch>
@@ -6619,7 +6203,7 @@
         <p:spPr/>
         <p:txBody>
           <a:bodyPr vert="horz" lIns="68580" tIns="34290" rIns="68580" bIns="34290" rtlCol="0" anchor="t">
-            <a:normAutofit fontScale="62500" lnSpcReduction="20000"/>
+            <a:normAutofit fontScale="55000" lnSpcReduction="20000"/>
           </a:bodyPr>
           <a:lstStyle/>
           <a:p>
@@ -6923,7 +6507,7 @@
     </a:clrScheme>
     <a:fontScheme name="View">
       <a:majorFont>
-        <a:latin typeface="Century Schoolbook" panose="02040604050505020304"/>
+        <a:latin typeface="Century Schoolbook"/>
         <a:ea typeface=""/>
         <a:cs typeface=""/>
         <a:font script="Jpan" typeface="ＭＳ ゴシック"/>
@@ -6958,7 +6542,7 @@
         <a:font script="Geor" typeface="Sylfaen"/>
       </a:majorFont>
       <a:minorFont>
-        <a:latin typeface="Century Schoolbook" panose="02040604050505020304"/>
+        <a:latin typeface="Century Schoolbook"/>
         <a:ea typeface=""/>
         <a:cs typeface=""/>
         <a:font script="Jpan" typeface="ＭＳ ゴシック"/>

--- a/Presentation 4.3.pptx
+++ b/Presentation 4.3.pptx
@@ -137,6 +137,7 @@
     <p1510:client id="{8200F492-B484-48A7-8AAD-E804E55D5A83}" v="195" dt="2020-02-26T12:54:32.221"/>
     <p1510:client id="{867FA3D7-6D7A-4D7A-BADA-35266BE2F8D4}" v="531" dt="2020-02-06T16:07:25.814"/>
     <p1510:client id="{BBFEDB11-B727-4426-BE8E-A0C0FCCB5D3A}" v="374" dt="2020-02-29T09:21:13.788"/>
+    <p1510:client id="{E32937AE-2B64-449A-B36B-CDD61C19F2B5}" v="34" dt="2020-03-02T14:52:37.344"/>
   </p1510:revLst>
 </p1510:revInfo>
 </file>
@@ -364,7 +365,7 @@
             <a:fld id="{A52BE8C1-7313-4B1A-A522-D273E7A21E89}" type="datetimeFigureOut">
               <a:rPr lang="en-US" dirty="0"/>
               <a:pPr/>
-              <a:t>2/29/2020</a:t>
+              <a:t>3/3/2020</a:t>
             </a:fld>
             <a:endParaRPr lang="en-US" dirty="0"/>
           </a:p>
@@ -534,7 +535,7 @@
             <a:fld id="{1E1A1254-60E8-4EAE-AE90-B80A87FF7E0C}" type="datetimeFigureOut">
               <a:rPr lang="en-US" dirty="0"/>
               <a:pPr/>
-              <a:t>2/29/2020</a:t>
+              <a:t>3/3/2020</a:t>
             </a:fld>
             <a:endParaRPr lang="en-US" dirty="0"/>
           </a:p>
@@ -714,7 +715,7 @@
             <a:fld id="{9F3228C6-DC12-455E-81B7-5E12630F1892}" type="datetimeFigureOut">
               <a:rPr lang="en-US" dirty="0"/>
               <a:pPr/>
-              <a:t>2/29/2020</a:t>
+              <a:t>3/3/2020</a:t>
             </a:fld>
             <a:endParaRPr lang="en-US" dirty="0"/>
           </a:p>
@@ -884,7 +885,7 @@
             <a:fld id="{528B1387-E181-492F-9D7B-AD6E21345D03}" type="datetimeFigureOut">
               <a:rPr lang="en-US" dirty="0"/>
               <a:pPr/>
-              <a:t>2/29/2020</a:t>
+              <a:t>3/3/2020</a:t>
             </a:fld>
             <a:endParaRPr lang="en-US" dirty="0"/>
           </a:p>
@@ -1138,7 +1139,7 @@
             <a:fld id="{7AACB294-6DA6-451B-8488-5CBB249A1473}" type="datetimeFigureOut">
               <a:rPr lang="en-US" dirty="0"/>
               <a:pPr/>
-              <a:t>2/29/2020</a:t>
+              <a:t>3/3/2020</a:t>
             </a:fld>
             <a:endParaRPr lang="en-US" dirty="0"/>
           </a:p>
@@ -1463,7 +1464,7 @@
             <a:fld id="{ACC386E2-80E8-4960-92F6-C6FE8B10DBD0}" type="datetimeFigureOut">
               <a:rPr lang="en-US" dirty="0"/>
               <a:pPr/>
-              <a:t>2/29/2020</a:t>
+              <a:t>3/3/2020</a:t>
             </a:fld>
             <a:endParaRPr lang="en-US" dirty="0"/>
           </a:p>
@@ -1871,7 +1872,7 @@
             <a:fld id="{790670D5-C074-44A2-9802-1F9E7BA543BC}" type="datetimeFigureOut">
               <a:rPr lang="en-US" dirty="0"/>
               <a:pPr/>
-              <a:t>2/29/2020</a:t>
+              <a:t>3/3/2020</a:t>
             </a:fld>
             <a:endParaRPr lang="en-US" dirty="0"/>
           </a:p>
@@ -1990,7 +1991,7 @@
             <a:fld id="{F59D57FF-92EE-4687-A0B6-D4426CCF892B}" type="datetimeFigureOut">
               <a:rPr lang="en-US" dirty="0"/>
               <a:pPr/>
-              <a:t>2/29/2020</a:t>
+              <a:t>3/3/2020</a:t>
             </a:fld>
             <a:endParaRPr lang="en-US" dirty="0"/>
           </a:p>
@@ -2087,7 +2088,7 @@
             <a:fld id="{37B583F2-6412-4AD5-B9E1-33F4992FAAD1}" type="datetimeFigureOut">
               <a:rPr lang="en-US" dirty="0"/>
               <a:pPr/>
-              <a:t>2/29/2020</a:t>
+              <a:t>3/3/2020</a:t>
             </a:fld>
             <a:endParaRPr lang="en-US" dirty="0"/>
           </a:p>
@@ -2374,7 +2375,7 @@
             <a:fld id="{C9AC0EC1-93A9-4658-B50B-1E179632FC91}" type="datetimeFigureOut">
               <a:rPr lang="en-US" dirty="0"/>
               <a:pPr/>
-              <a:t>2/29/2020</a:t>
+              <a:t>3/3/2020</a:t>
             </a:fld>
             <a:endParaRPr lang="en-US" dirty="0"/>
           </a:p>
@@ -2686,7 +2687,7 @@
             <a:fld id="{0D5381A2-E6D8-4B28-8E28-2D655C552EBB}" type="datetimeFigureOut">
               <a:rPr lang="en-US" dirty="0"/>
               <a:pPr/>
-              <a:t>2/29/2020</a:t>
+              <a:t>3/3/2020</a:t>
             </a:fld>
             <a:endParaRPr lang="en-US" dirty="0"/>
           </a:p>
@@ -2935,7 +2936,7 @@
             <a:fld id="{893EB801-F7DF-4DB7-AD7A-DFFF56000347}" type="datetimeFigureOut">
               <a:rPr lang="en-US" dirty="0"/>
               <a:pPr/>
-              <a:t>2/29/2020</a:t>
+              <a:t>3/3/2020</a:t>
             </a:fld>
             <a:endParaRPr lang="en-US" dirty="0"/>
           </a:p>
@@ -3591,104 +3592,108 @@
           </a:bodyPr>
           <a:lstStyle/>
           <a:p>
-            <a:r>
-              <a:rPr lang="en-US" dirty="0" err="1">
+            <a:pPr marL="0" indent="0">
+              <a:buNone/>
+            </a:pPr>
+            <a:r>
+              <a:rPr lang="en-US" sz="2400" dirty="0" err="1">
                 <a:ea typeface="+mn-lt"/>
                 <a:cs typeface="+mn-lt"/>
               </a:rPr>
               <a:t>Игровая</a:t>
             </a:r>
             <a:r>
-              <a:rPr lang="en-US" dirty="0">
-                <a:ea typeface="+mn-lt"/>
-                <a:cs typeface="+mn-lt"/>
-              </a:rPr>
-              <a:t> </a:t>
-            </a:r>
-            <a:r>
-              <a:rPr lang="en-US" dirty="0" err="1">
+              <a:rPr lang="en-US" sz="2400" dirty="0">
+                <a:ea typeface="+mn-lt"/>
+                <a:cs typeface="+mn-lt"/>
+              </a:rPr>
+              <a:t> </a:t>
+            </a:r>
+            <a:r>
+              <a:rPr lang="en-US" sz="2400" dirty="0" err="1">
                 <a:ea typeface="+mn-lt"/>
                 <a:cs typeface="+mn-lt"/>
               </a:rPr>
               <a:t>индустрия</a:t>
             </a:r>
             <a:r>
-              <a:rPr lang="en-US" dirty="0">
-                <a:ea typeface="+mn-lt"/>
-                <a:cs typeface="+mn-lt"/>
-              </a:rPr>
-              <a:t> </a:t>
-            </a:r>
-            <a:r>
-              <a:rPr lang="en-US" dirty="0" err="1">
+              <a:rPr lang="en-US" sz="2400" dirty="0">
+                <a:ea typeface="+mn-lt"/>
+                <a:cs typeface="+mn-lt"/>
+              </a:rPr>
+              <a:t> </a:t>
+            </a:r>
+            <a:r>
+              <a:rPr lang="en-US" sz="2400" dirty="0" err="1">
                 <a:ea typeface="+mn-lt"/>
                 <a:cs typeface="+mn-lt"/>
               </a:rPr>
               <a:t>продолжает</a:t>
             </a:r>
             <a:r>
-              <a:rPr lang="en-US" dirty="0">
-                <a:ea typeface="+mn-lt"/>
-                <a:cs typeface="+mn-lt"/>
-              </a:rPr>
-              <a:t> </a:t>
-            </a:r>
-            <a:r>
-              <a:rPr lang="en-US" dirty="0" err="1">
+              <a:rPr lang="en-US" sz="2400" dirty="0">
+                <a:ea typeface="+mn-lt"/>
+                <a:cs typeface="+mn-lt"/>
+              </a:rPr>
+              <a:t> </a:t>
+            </a:r>
+            <a:r>
+              <a:rPr lang="en-US" sz="2400" dirty="0" err="1">
                 <a:ea typeface="+mn-lt"/>
                 <a:cs typeface="+mn-lt"/>
               </a:rPr>
               <a:t>свой</a:t>
             </a:r>
             <a:r>
-              <a:rPr lang="en-US" dirty="0">
-                <a:ea typeface="+mn-lt"/>
-                <a:cs typeface="+mn-lt"/>
-              </a:rPr>
-              <a:t> </a:t>
-            </a:r>
-            <a:r>
-              <a:rPr lang="en-US" dirty="0" err="1">
+              <a:rPr lang="en-US" sz="2400" dirty="0">
+                <a:ea typeface="+mn-lt"/>
+                <a:cs typeface="+mn-lt"/>
+              </a:rPr>
+              <a:t> </a:t>
+            </a:r>
+            <a:r>
+              <a:rPr lang="en-US" sz="2400" dirty="0" err="1">
                 <a:ea typeface="+mn-lt"/>
                 <a:cs typeface="+mn-lt"/>
               </a:rPr>
               <a:t>стабильный</a:t>
             </a:r>
             <a:r>
-              <a:rPr lang="en-US" dirty="0">
-                <a:ea typeface="+mn-lt"/>
-                <a:cs typeface="+mn-lt"/>
-              </a:rPr>
-              <a:t> </a:t>
-            </a:r>
-            <a:r>
-              <a:rPr lang="en-US" dirty="0" err="1">
+              <a:rPr lang="en-US" sz="2400" dirty="0">
+                <a:ea typeface="+mn-lt"/>
+                <a:cs typeface="+mn-lt"/>
+              </a:rPr>
+              <a:t> </a:t>
+            </a:r>
+            <a:r>
+              <a:rPr lang="en-US" sz="2400" dirty="0" err="1">
                 <a:ea typeface="+mn-lt"/>
                 <a:cs typeface="+mn-lt"/>
               </a:rPr>
               <a:t>рост</a:t>
             </a:r>
             <a:r>
-              <a:rPr lang="en-US" dirty="0">
+              <a:rPr lang="en-US" sz="2400" dirty="0">
                 <a:ea typeface="+mn-lt"/>
                 <a:cs typeface="+mn-lt"/>
               </a:rPr>
               <a:t> в </a:t>
             </a:r>
             <a:r>
-              <a:rPr lang="en-US" dirty="0" err="1">
+              <a:rPr lang="en-US" sz="2400" dirty="0" err="1">
                 <a:ea typeface="+mn-lt"/>
                 <a:cs typeface="+mn-lt"/>
               </a:rPr>
               <a:t>связи</a:t>
             </a:r>
             <a:r>
-              <a:rPr lang="en-US" dirty="0">
+              <a:rPr lang="en-US" sz="2400" dirty="0">
                 <a:ea typeface="+mn-lt"/>
                 <a:cs typeface="+mn-lt"/>
               </a:rPr>
               <a:t> с:</a:t>
             </a:r>
+            <a:endParaRPr lang="en-US"/>
           </a:p>
           <a:p>
             <a:r>
@@ -4223,16 +4228,19 @@
         <p:spPr>
           <a:xfrm>
             <a:off x="946404" y="470535"/>
-            <a:ext cx="3716190" cy="1606948"/>
+            <a:ext cx="3716190" cy="529139"/>
           </a:xfrm>
         </p:spPr>
         <p:txBody>
           <a:bodyPr>
-            <a:normAutofit/>
+            <a:normAutofit fontScale="90000"/>
           </a:bodyPr>
           <a:lstStyle/>
           <a:p>
-            <a:endParaRPr lang="en-US"/>
+            <a:r>
+              <a:rPr lang="en-US"/>
+              <a:t>Анализ</a:t>
+            </a:r>
           </a:p>
         </p:txBody>
       </p:sp>
@@ -4796,8 +4804,8 @@
         </p:nvSpPr>
         <p:spPr>
           <a:xfrm>
-            <a:off x="482874" y="1310384"/>
-            <a:ext cx="2767819" cy="4181969"/>
+            <a:off x="482874" y="588947"/>
+            <a:ext cx="2767819" cy="4903406"/>
           </a:xfrm>
         </p:spPr>
         <p:txBody>
@@ -4807,937 +4815,537 @@
           <a:lstStyle/>
           <a:p>
             <a:r>
-              <a:rPr lang="en-US" sz="1200" b="1" dirty="0">
+              <a:rPr lang="en-US" sz="1600" b="1" dirty="0">
                 <a:ea typeface="+mn-lt"/>
                 <a:cs typeface="+mn-lt"/>
               </a:rPr>
               <a:t>Unreal Engine</a:t>
             </a:r>
             <a:r>
-              <a:rPr lang="en-US" sz="1200" dirty="0">
+              <a:rPr lang="en-US" sz="1600" dirty="0">
                 <a:ea typeface="+mn-lt"/>
                 <a:cs typeface="+mn-lt"/>
               </a:rPr>
               <a:t> — </a:t>
             </a:r>
             <a:r>
-              <a:rPr lang="en-US" sz="1200" dirty="0" err="1">
+              <a:rPr lang="en-US" sz="1600" err="1">
                 <a:ea typeface="+mn-lt"/>
                 <a:cs typeface="+mn-lt"/>
               </a:rPr>
               <a:t>игровой</a:t>
             </a:r>
             <a:r>
-              <a:rPr lang="en-US" sz="1200" dirty="0">
-                <a:ea typeface="+mn-lt"/>
-                <a:cs typeface="+mn-lt"/>
-              </a:rPr>
-              <a:t> </a:t>
-            </a:r>
-            <a:r>
-              <a:rPr lang="en-US" sz="1200" dirty="0" err="1">
+              <a:rPr lang="en-US" sz="1600" dirty="0">
+                <a:ea typeface="+mn-lt"/>
+                <a:cs typeface="+mn-lt"/>
+              </a:rPr>
+              <a:t> </a:t>
+            </a:r>
+            <a:r>
+              <a:rPr lang="en-US" sz="1600" err="1">
                 <a:ea typeface="+mn-lt"/>
                 <a:cs typeface="+mn-lt"/>
               </a:rPr>
               <a:t>движок</a:t>
             </a:r>
             <a:r>
-              <a:rPr lang="en-US" sz="1200" dirty="0">
+              <a:rPr lang="en-US" sz="1600" dirty="0">
                 <a:ea typeface="+mn-lt"/>
                 <a:cs typeface="+mn-lt"/>
               </a:rPr>
               <a:t>, </a:t>
             </a:r>
             <a:r>
-              <a:rPr lang="en-US" sz="1200" dirty="0" err="1">
+              <a:rPr lang="en-US" sz="1600" err="1">
                 <a:ea typeface="+mn-lt"/>
                 <a:cs typeface="+mn-lt"/>
               </a:rPr>
               <a:t>разрабатываемый</a:t>
             </a:r>
             <a:r>
-              <a:rPr lang="en-US" sz="1200" dirty="0">
+              <a:rPr lang="en-US" sz="1600" dirty="0">
                 <a:ea typeface="+mn-lt"/>
                 <a:cs typeface="+mn-lt"/>
               </a:rPr>
               <a:t> и </a:t>
             </a:r>
             <a:r>
-              <a:rPr lang="en-US" sz="1200" dirty="0" err="1">
+              <a:rPr lang="en-US" sz="1600" err="1">
                 <a:ea typeface="+mn-lt"/>
                 <a:cs typeface="+mn-lt"/>
               </a:rPr>
               <a:t>поддерживаемый</a:t>
             </a:r>
             <a:r>
-              <a:rPr lang="en-US" sz="1200" dirty="0">
-                <a:ea typeface="+mn-lt"/>
-                <a:cs typeface="+mn-lt"/>
-              </a:rPr>
-              <a:t> </a:t>
-            </a:r>
-            <a:r>
-              <a:rPr lang="en-US" sz="1200" dirty="0" err="1">
+              <a:rPr lang="en-US" sz="1600" dirty="0">
+                <a:ea typeface="+mn-lt"/>
+                <a:cs typeface="+mn-lt"/>
+              </a:rPr>
+              <a:t> </a:t>
+            </a:r>
+            <a:r>
+              <a:rPr lang="en-US" sz="1600" err="1">
                 <a:ea typeface="+mn-lt"/>
                 <a:cs typeface="+mn-lt"/>
               </a:rPr>
               <a:t>компанией</a:t>
             </a:r>
             <a:r>
-              <a:rPr lang="en-US" sz="1200" dirty="0">
-                <a:ea typeface="+mn-lt"/>
-                <a:cs typeface="+mn-lt"/>
-              </a:rPr>
-              <a:t> Epic Games. </a:t>
-            </a:r>
-            <a:r>
-              <a:rPr lang="en-US" sz="1200" dirty="0" err="1">
-                <a:ea typeface="+mn-lt"/>
-                <a:cs typeface="+mn-lt"/>
-              </a:rPr>
-              <a:t>Первой</a:t>
-            </a:r>
-            <a:r>
-              <a:rPr lang="en-US" sz="1200" dirty="0">
-                <a:ea typeface="+mn-lt"/>
-                <a:cs typeface="+mn-lt"/>
-              </a:rPr>
-              <a:t> </a:t>
-            </a:r>
-            <a:r>
-              <a:rPr lang="en-US" sz="1200" dirty="0" err="1">
-                <a:ea typeface="+mn-lt"/>
-                <a:cs typeface="+mn-lt"/>
-              </a:rPr>
-              <a:t>игрой</a:t>
-            </a:r>
-            <a:r>
-              <a:rPr lang="en-US" sz="1200" dirty="0">
-                <a:ea typeface="+mn-lt"/>
-                <a:cs typeface="+mn-lt"/>
-              </a:rPr>
-              <a:t> </a:t>
-            </a:r>
-            <a:r>
-              <a:rPr lang="en-US" sz="1200" dirty="0" err="1">
-                <a:ea typeface="+mn-lt"/>
-                <a:cs typeface="+mn-lt"/>
-              </a:rPr>
-              <a:t>на</a:t>
-            </a:r>
-            <a:r>
-              <a:rPr lang="en-US" sz="1200" dirty="0">
-                <a:ea typeface="+mn-lt"/>
-                <a:cs typeface="+mn-lt"/>
-              </a:rPr>
-              <a:t> </a:t>
-            </a:r>
-            <a:r>
-              <a:rPr lang="en-US" sz="1200" dirty="0" err="1">
-                <a:ea typeface="+mn-lt"/>
-                <a:cs typeface="+mn-lt"/>
-              </a:rPr>
-              <a:t>этом</a:t>
-            </a:r>
-            <a:r>
-              <a:rPr lang="en-US" sz="1200" dirty="0">
-                <a:ea typeface="+mn-lt"/>
-                <a:cs typeface="+mn-lt"/>
-              </a:rPr>
-              <a:t> </a:t>
-            </a:r>
-            <a:r>
-              <a:rPr lang="en-US" sz="1200" dirty="0" err="1">
-                <a:ea typeface="+mn-lt"/>
-                <a:cs typeface="+mn-lt"/>
-              </a:rPr>
-              <a:t>движке</a:t>
-            </a:r>
-            <a:r>
-              <a:rPr lang="en-US" sz="1200" dirty="0">
-                <a:ea typeface="+mn-lt"/>
-                <a:cs typeface="+mn-lt"/>
-              </a:rPr>
-              <a:t> </a:t>
-            </a:r>
-            <a:r>
-              <a:rPr lang="en-US" sz="1200" dirty="0" err="1">
+              <a:rPr lang="en-US" sz="1600">
+                <a:ea typeface="+mn-lt"/>
+                <a:cs typeface="+mn-lt"/>
+              </a:rPr>
+              <a:t> Epic Games. </a:t>
+            </a:r>
+            <a:endParaRPr lang="en-US"/>
+          </a:p>
+          <a:p>
+            <a:r>
+              <a:rPr lang="en-US" sz="1600">
+                <a:ea typeface="+mn-lt"/>
+                <a:cs typeface="+mn-lt"/>
+              </a:rPr>
+              <a:t>Хотя</a:t>
+            </a:r>
+            <a:r>
+              <a:rPr lang="en-US" sz="1600" dirty="0">
+                <a:ea typeface="+mn-lt"/>
+                <a:cs typeface="+mn-lt"/>
+              </a:rPr>
+              <a:t> </a:t>
+            </a:r>
+            <a:r>
+              <a:rPr lang="en-US" sz="1600" err="1">
+                <a:ea typeface="+mn-lt"/>
+                <a:cs typeface="+mn-lt"/>
+              </a:rPr>
+              <a:t>движок</a:t>
+            </a:r>
+            <a:r>
+              <a:rPr lang="en-US" sz="1600" dirty="0">
+                <a:ea typeface="+mn-lt"/>
+                <a:cs typeface="+mn-lt"/>
+              </a:rPr>
+              <a:t> </a:t>
+            </a:r>
+            <a:r>
+              <a:rPr lang="en-US" sz="1600" err="1">
+                <a:ea typeface="+mn-lt"/>
+                <a:cs typeface="+mn-lt"/>
+              </a:rPr>
+              <a:t>первоначально</a:t>
+            </a:r>
+            <a:r>
+              <a:rPr lang="en-US" sz="1600" dirty="0">
+                <a:ea typeface="+mn-lt"/>
+                <a:cs typeface="+mn-lt"/>
+              </a:rPr>
+              <a:t> </a:t>
+            </a:r>
+            <a:r>
+              <a:rPr lang="en-US" sz="1600" err="1">
                 <a:ea typeface="+mn-lt"/>
                 <a:cs typeface="+mn-lt"/>
               </a:rPr>
               <a:t>был</a:t>
             </a:r>
             <a:r>
-              <a:rPr lang="en-US" sz="1200" dirty="0">
-                <a:ea typeface="+mn-lt"/>
-                <a:cs typeface="+mn-lt"/>
-              </a:rPr>
-              <a:t> </a:t>
-            </a:r>
-            <a:r>
-              <a:rPr lang="en-US" sz="1200" dirty="0" err="1">
-                <a:ea typeface="+mn-lt"/>
-                <a:cs typeface="+mn-lt"/>
-              </a:rPr>
-              <a:t>шутер</a:t>
-            </a:r>
-            <a:r>
-              <a:rPr lang="en-US" sz="1200" dirty="0">
-                <a:ea typeface="+mn-lt"/>
-                <a:cs typeface="+mn-lt"/>
-              </a:rPr>
-              <a:t> </a:t>
-            </a:r>
-            <a:r>
-              <a:rPr lang="en-US" sz="1200" dirty="0" err="1">
+              <a:rPr lang="en-US" sz="1600" dirty="0">
+                <a:ea typeface="+mn-lt"/>
+                <a:cs typeface="+mn-lt"/>
+              </a:rPr>
+              <a:t> </a:t>
+            </a:r>
+            <a:r>
+              <a:rPr lang="en-US" sz="1600" err="1">
+                <a:ea typeface="+mn-lt"/>
+                <a:cs typeface="+mn-lt"/>
+              </a:rPr>
+              <a:t>предназначен</a:t>
+            </a:r>
+            <a:r>
+              <a:rPr lang="en-US" sz="1600" dirty="0">
+                <a:ea typeface="+mn-lt"/>
+                <a:cs typeface="+mn-lt"/>
+              </a:rPr>
+              <a:t> </a:t>
+            </a:r>
+            <a:r>
+              <a:rPr lang="en-US" sz="1600" err="1">
+                <a:ea typeface="+mn-lt"/>
+                <a:cs typeface="+mn-lt"/>
+              </a:rPr>
+              <a:t>для</a:t>
+            </a:r>
+            <a:r>
+              <a:rPr lang="en-US" sz="1600" dirty="0">
+                <a:ea typeface="+mn-lt"/>
+                <a:cs typeface="+mn-lt"/>
+              </a:rPr>
+              <a:t> </a:t>
+            </a:r>
+            <a:r>
+              <a:rPr lang="en-US" sz="1600" err="1">
+                <a:ea typeface="+mn-lt"/>
+                <a:cs typeface="+mn-lt"/>
+              </a:rPr>
+              <a:t>разработки</a:t>
+            </a:r>
+            <a:r>
+              <a:rPr lang="en-US" sz="1600" dirty="0">
+                <a:ea typeface="+mn-lt"/>
+                <a:cs typeface="+mn-lt"/>
+              </a:rPr>
+              <a:t> </a:t>
+            </a:r>
+            <a:r>
+              <a:rPr lang="en-US" sz="1600" err="1">
+                <a:ea typeface="+mn-lt"/>
+                <a:cs typeface="+mn-lt"/>
+              </a:rPr>
+              <a:t>шутеров</a:t>
+            </a:r>
+            <a:r>
+              <a:rPr lang="en-US" sz="1600" dirty="0">
+                <a:ea typeface="+mn-lt"/>
+                <a:cs typeface="+mn-lt"/>
+              </a:rPr>
+              <a:t> </a:t>
+            </a:r>
+            <a:r>
+              <a:rPr lang="en-US" sz="1600" err="1">
                 <a:ea typeface="+mn-lt"/>
                 <a:cs typeface="+mn-lt"/>
               </a:rPr>
               <a:t>от</a:t>
             </a:r>
             <a:r>
-              <a:rPr lang="en-US" sz="1200" dirty="0">
-                <a:ea typeface="+mn-lt"/>
-                <a:cs typeface="+mn-lt"/>
-              </a:rPr>
-              <a:t> </a:t>
-            </a:r>
-            <a:r>
-              <a:rPr lang="en-US" sz="1200" dirty="0" err="1">
+              <a:rPr lang="en-US" sz="1600" dirty="0">
+                <a:ea typeface="+mn-lt"/>
+                <a:cs typeface="+mn-lt"/>
+              </a:rPr>
+              <a:t> </a:t>
+            </a:r>
+            <a:r>
+              <a:rPr lang="en-US" sz="1600" err="1">
                 <a:ea typeface="+mn-lt"/>
                 <a:cs typeface="+mn-lt"/>
               </a:rPr>
               <a:t>первого</a:t>
             </a:r>
             <a:r>
-              <a:rPr lang="en-US" sz="1200" dirty="0">
-                <a:ea typeface="+mn-lt"/>
-                <a:cs typeface="+mn-lt"/>
-              </a:rPr>
-              <a:t> </a:t>
-            </a:r>
-            <a:r>
-              <a:rPr lang="en-US" sz="1200" dirty="0" err="1">
+              <a:rPr lang="en-US" sz="1600" dirty="0">
+                <a:ea typeface="+mn-lt"/>
+                <a:cs typeface="+mn-lt"/>
+              </a:rPr>
+              <a:t> </a:t>
+            </a:r>
+            <a:r>
+              <a:rPr lang="en-US" sz="1600" err="1">
                 <a:ea typeface="+mn-lt"/>
                 <a:cs typeface="+mn-lt"/>
               </a:rPr>
               <a:t>лица</a:t>
             </a:r>
             <a:r>
-              <a:rPr lang="en-US" sz="1200" dirty="0">
-                <a:ea typeface="+mn-lt"/>
-                <a:cs typeface="+mn-lt"/>
-              </a:rPr>
-              <a:t> </a:t>
-            </a:r>
-            <a:r>
-              <a:rPr lang="en-US" sz="1200" i="1" dirty="0">
-                <a:ea typeface="+mn-lt"/>
-                <a:cs typeface="+mn-lt"/>
-              </a:rPr>
-              <a:t>Unreal</a:t>
-            </a:r>
-            <a:r>
-              <a:rPr lang="en-US" sz="1200" dirty="0">
+              <a:rPr lang="en-US" sz="1600" dirty="0">
                 <a:ea typeface="+mn-lt"/>
                 <a:cs typeface="+mn-lt"/>
               </a:rPr>
               <a:t>, </a:t>
             </a:r>
             <a:r>
-              <a:rPr lang="en-US" sz="1200" dirty="0" err="1">
-                <a:ea typeface="+mn-lt"/>
-                <a:cs typeface="+mn-lt"/>
-              </a:rPr>
-              <a:t>выпущенный</a:t>
-            </a:r>
-            <a:r>
-              <a:rPr lang="en-US" sz="1200" dirty="0">
-                <a:ea typeface="+mn-lt"/>
-                <a:cs typeface="+mn-lt"/>
-              </a:rPr>
-              <a:t> в 1998 </a:t>
-            </a:r>
-            <a:r>
-              <a:rPr lang="en-US" sz="1200" dirty="0" err="1">
-                <a:ea typeface="+mn-lt"/>
-                <a:cs typeface="+mn-lt"/>
-              </a:rPr>
-              <a:t>году</a:t>
-            </a:r>
-            <a:r>
-              <a:rPr lang="en-US" sz="1200" dirty="0">
-                <a:ea typeface="+mn-lt"/>
-                <a:cs typeface="+mn-lt"/>
-              </a:rPr>
-              <a:t>. </a:t>
-            </a:r>
-            <a:r>
-              <a:rPr lang="en-US" sz="1200" dirty="0" err="1">
-                <a:ea typeface="+mn-lt"/>
-                <a:cs typeface="+mn-lt"/>
-              </a:rPr>
-              <a:t>Хотя</a:t>
-            </a:r>
-            <a:r>
-              <a:rPr lang="en-US" sz="1200" dirty="0">
-                <a:ea typeface="+mn-lt"/>
-                <a:cs typeface="+mn-lt"/>
-              </a:rPr>
-              <a:t> </a:t>
-            </a:r>
-            <a:r>
-              <a:rPr lang="en-US" sz="1200" dirty="0" err="1">
-                <a:ea typeface="+mn-lt"/>
-                <a:cs typeface="+mn-lt"/>
-              </a:rPr>
-              <a:t>движок</a:t>
-            </a:r>
-            <a:r>
-              <a:rPr lang="en-US" sz="1200" dirty="0">
-                <a:ea typeface="+mn-lt"/>
-                <a:cs typeface="+mn-lt"/>
-              </a:rPr>
-              <a:t> </a:t>
-            </a:r>
-            <a:r>
-              <a:rPr lang="en-US" sz="1200" dirty="0" err="1">
-                <a:ea typeface="+mn-lt"/>
-                <a:cs typeface="+mn-lt"/>
-              </a:rPr>
-              <a:t>первоначально</a:t>
-            </a:r>
-            <a:r>
-              <a:rPr lang="en-US" sz="1200" dirty="0">
-                <a:ea typeface="+mn-lt"/>
-                <a:cs typeface="+mn-lt"/>
-              </a:rPr>
-              <a:t> </a:t>
-            </a:r>
-            <a:r>
-              <a:rPr lang="en-US" sz="1200" dirty="0" err="1">
-                <a:ea typeface="+mn-lt"/>
-                <a:cs typeface="+mn-lt"/>
-              </a:rPr>
-              <a:t>был</a:t>
-            </a:r>
-            <a:r>
-              <a:rPr lang="en-US" sz="1200" dirty="0">
-                <a:ea typeface="+mn-lt"/>
-                <a:cs typeface="+mn-lt"/>
-              </a:rPr>
-              <a:t> </a:t>
-            </a:r>
-            <a:r>
-              <a:rPr lang="en-US" sz="1200" dirty="0" err="1">
-                <a:ea typeface="+mn-lt"/>
-                <a:cs typeface="+mn-lt"/>
-              </a:rPr>
-              <a:t>предназначен</a:t>
-            </a:r>
-            <a:r>
-              <a:rPr lang="en-US" sz="1200" dirty="0">
-                <a:ea typeface="+mn-lt"/>
-                <a:cs typeface="+mn-lt"/>
-              </a:rPr>
-              <a:t> </a:t>
-            </a:r>
-            <a:r>
-              <a:rPr lang="en-US" sz="1200" dirty="0" err="1">
-                <a:ea typeface="+mn-lt"/>
-                <a:cs typeface="+mn-lt"/>
-              </a:rPr>
-              <a:t>для</a:t>
-            </a:r>
-            <a:r>
-              <a:rPr lang="en-US" sz="1200" dirty="0">
-                <a:ea typeface="+mn-lt"/>
-                <a:cs typeface="+mn-lt"/>
-              </a:rPr>
-              <a:t> </a:t>
-            </a:r>
-            <a:r>
-              <a:rPr lang="en-US" sz="1200" dirty="0" err="1">
-                <a:ea typeface="+mn-lt"/>
-                <a:cs typeface="+mn-lt"/>
-              </a:rPr>
-              <a:t>разработки</a:t>
-            </a:r>
-            <a:r>
-              <a:rPr lang="en-US" sz="1200" dirty="0">
-                <a:ea typeface="+mn-lt"/>
-                <a:cs typeface="+mn-lt"/>
-              </a:rPr>
-              <a:t> </a:t>
-            </a:r>
-            <a:r>
-              <a:rPr lang="en-US" sz="1200" dirty="0" err="1">
-                <a:ea typeface="+mn-lt"/>
-                <a:cs typeface="+mn-lt"/>
-              </a:rPr>
-              <a:t>шутеров</a:t>
-            </a:r>
-            <a:r>
-              <a:rPr lang="en-US" sz="1200" dirty="0">
-                <a:ea typeface="+mn-lt"/>
-                <a:cs typeface="+mn-lt"/>
-              </a:rPr>
-              <a:t> </a:t>
-            </a:r>
-            <a:r>
-              <a:rPr lang="en-US" sz="1200" dirty="0" err="1">
+              <a:rPr lang="en-US" sz="1600" err="1">
+                <a:ea typeface="+mn-lt"/>
+                <a:cs typeface="+mn-lt"/>
+              </a:rPr>
+              <a:t>его</a:t>
+            </a:r>
+            <a:r>
+              <a:rPr lang="en-US" sz="1600" dirty="0">
+                <a:ea typeface="+mn-lt"/>
+                <a:cs typeface="+mn-lt"/>
+              </a:rPr>
+              <a:t> </a:t>
+            </a:r>
+            <a:r>
+              <a:rPr lang="en-US" sz="1600" err="1">
+                <a:ea typeface="+mn-lt"/>
+                <a:cs typeface="+mn-lt"/>
+              </a:rPr>
+              <a:t>последующие</a:t>
+            </a:r>
+            <a:r>
+              <a:rPr lang="en-US" sz="1600" dirty="0">
+                <a:ea typeface="+mn-lt"/>
+                <a:cs typeface="+mn-lt"/>
+              </a:rPr>
+              <a:t> </a:t>
+            </a:r>
+            <a:r>
+              <a:rPr lang="en-US" sz="1600" err="1">
+                <a:ea typeface="+mn-lt"/>
+                <a:cs typeface="+mn-lt"/>
+              </a:rPr>
+              <a:t>версии</a:t>
+            </a:r>
+            <a:r>
+              <a:rPr lang="en-US" sz="1600" dirty="0">
+                <a:ea typeface="+mn-lt"/>
+                <a:cs typeface="+mn-lt"/>
+              </a:rPr>
+              <a:t> </a:t>
+            </a:r>
+            <a:r>
+              <a:rPr lang="en-US" sz="1600" err="1">
+                <a:ea typeface="+mn-lt"/>
+                <a:cs typeface="+mn-lt"/>
+              </a:rPr>
+              <a:t>успешно</a:t>
+            </a:r>
+            <a:r>
+              <a:rPr lang="en-US" sz="1600" dirty="0">
+                <a:ea typeface="+mn-lt"/>
+                <a:cs typeface="+mn-lt"/>
+              </a:rPr>
+              <a:t> </a:t>
+            </a:r>
+            <a:r>
+              <a:rPr lang="en-US" sz="1600" err="1">
+                <a:ea typeface="+mn-lt"/>
+                <a:cs typeface="+mn-lt"/>
+              </a:rPr>
+              <a:t>применялись</a:t>
+            </a:r>
+            <a:r>
+              <a:rPr lang="en-US" sz="1600" dirty="0">
+                <a:ea typeface="+mn-lt"/>
+                <a:cs typeface="+mn-lt"/>
+              </a:rPr>
+              <a:t> в </a:t>
+            </a:r>
+            <a:r>
+              <a:rPr lang="en-US" sz="1600" err="1">
+                <a:ea typeface="+mn-lt"/>
+                <a:cs typeface="+mn-lt"/>
+              </a:rPr>
+              <a:t>играх</a:t>
+            </a:r>
+            <a:r>
+              <a:rPr lang="en-US" sz="1600" dirty="0">
+                <a:ea typeface="+mn-lt"/>
+                <a:cs typeface="+mn-lt"/>
+              </a:rPr>
+              <a:t> </a:t>
+            </a:r>
+            <a:r>
+              <a:rPr lang="en-US" sz="1600" err="1">
+                <a:ea typeface="+mn-lt"/>
+                <a:cs typeface="+mn-lt"/>
+              </a:rPr>
+              <a:t>самых</a:t>
+            </a:r>
+            <a:r>
+              <a:rPr lang="en-US" sz="1600" dirty="0">
+                <a:ea typeface="+mn-lt"/>
+                <a:cs typeface="+mn-lt"/>
+              </a:rPr>
+              <a:t> </a:t>
+            </a:r>
+            <a:r>
+              <a:rPr lang="en-US" sz="1600" err="1">
+                <a:ea typeface="+mn-lt"/>
+                <a:cs typeface="+mn-lt"/>
+              </a:rPr>
+              <a:t>различных</a:t>
+            </a:r>
+            <a:r>
+              <a:rPr lang="en-US" sz="1600" dirty="0">
+                <a:ea typeface="+mn-lt"/>
+                <a:cs typeface="+mn-lt"/>
+              </a:rPr>
+              <a:t> </a:t>
+            </a:r>
+            <a:r>
+              <a:rPr lang="en-US" sz="1600">
+                <a:ea typeface="+mn-lt"/>
+                <a:cs typeface="+mn-lt"/>
+              </a:rPr>
+              <a:t>жанров.</a:t>
+            </a:r>
+            <a:endParaRPr lang="en-US"/>
+          </a:p>
+          <a:p>
+            <a:r>
+              <a:rPr lang="en-US" sz="1600">
+                <a:ea typeface="+mn-lt"/>
+                <a:cs typeface="+mn-lt"/>
+              </a:rPr>
+              <a:t> С 2015 </a:t>
+            </a:r>
+            <a:r>
+              <a:rPr lang="en-US" sz="1600" err="1">
+                <a:ea typeface="+mn-lt"/>
+                <a:cs typeface="+mn-lt"/>
+              </a:rPr>
+              <a:t>года</a:t>
+            </a:r>
+            <a:r>
+              <a:rPr lang="en-US" sz="1600" dirty="0">
+                <a:ea typeface="+mn-lt"/>
+                <a:cs typeface="+mn-lt"/>
+              </a:rPr>
+              <a:t> </a:t>
+            </a:r>
+            <a:r>
+              <a:rPr lang="en-US" sz="1600">
+                <a:ea typeface="+mn-lt"/>
+                <a:cs typeface="+mn-lt"/>
+              </a:rPr>
+              <a:t>Unreal Engine </a:t>
+            </a:r>
+            <a:r>
+              <a:rPr lang="en-US" sz="1600" err="1">
+                <a:ea typeface="+mn-lt"/>
+                <a:cs typeface="+mn-lt"/>
+              </a:rPr>
+              <a:t>бесплатен</a:t>
+            </a:r>
+            <a:r>
+              <a:rPr lang="en-US" sz="1600">
+                <a:ea typeface="+mn-lt"/>
+                <a:cs typeface="+mn-lt"/>
+              </a:rPr>
+              <a:t>, </a:t>
+            </a:r>
+            <a:r>
+              <a:rPr lang="en-US" sz="1600" err="1">
+                <a:ea typeface="+mn-lt"/>
+                <a:cs typeface="+mn-lt"/>
+              </a:rPr>
+              <a:t>но</a:t>
+            </a:r>
+            <a:r>
+              <a:rPr lang="en-US" sz="1600" dirty="0">
+                <a:ea typeface="+mn-lt"/>
+                <a:cs typeface="+mn-lt"/>
+              </a:rPr>
+              <a:t> </a:t>
+            </a:r>
+            <a:r>
+              <a:rPr lang="en-US" sz="1600" err="1">
+                <a:ea typeface="+mn-lt"/>
+                <a:cs typeface="+mn-lt"/>
+              </a:rPr>
+              <a:t>разработчики</a:t>
+            </a:r>
+            <a:r>
+              <a:rPr lang="en-US" sz="1600" dirty="0">
+                <a:ea typeface="+mn-lt"/>
+                <a:cs typeface="+mn-lt"/>
+              </a:rPr>
+              <a:t> </a:t>
+            </a:r>
+            <a:r>
+              <a:rPr lang="en-US" sz="1600" err="1">
+                <a:ea typeface="+mn-lt"/>
+                <a:cs typeface="+mn-lt"/>
+              </a:rPr>
+              <a:t>использующих</a:t>
+            </a:r>
+            <a:r>
+              <a:rPr lang="en-US" sz="1600" dirty="0">
+                <a:ea typeface="+mn-lt"/>
+                <a:cs typeface="+mn-lt"/>
+              </a:rPr>
+              <a:t> </a:t>
+            </a:r>
+            <a:r>
+              <a:rPr lang="en-US" sz="1600" err="1">
+                <a:ea typeface="+mn-lt"/>
+                <a:cs typeface="+mn-lt"/>
+              </a:rPr>
+              <a:t>его</a:t>
+            </a:r>
+            <a:r>
+              <a:rPr lang="en-US" sz="1600" dirty="0">
+                <a:ea typeface="+mn-lt"/>
+                <a:cs typeface="+mn-lt"/>
+              </a:rPr>
+              <a:t> </a:t>
+            </a:r>
+            <a:r>
+              <a:rPr lang="en-US" sz="1600" err="1">
+                <a:ea typeface="+mn-lt"/>
+                <a:cs typeface="+mn-lt"/>
+              </a:rPr>
+              <a:t>игр</a:t>
+            </a:r>
+            <a:r>
+              <a:rPr lang="en-US" sz="1600" dirty="0">
+                <a:ea typeface="+mn-lt"/>
+                <a:cs typeface="+mn-lt"/>
+              </a:rPr>
+              <a:t> </a:t>
+            </a:r>
+            <a:r>
+              <a:rPr lang="en-US" sz="1600" err="1">
+                <a:ea typeface="+mn-lt"/>
+                <a:cs typeface="+mn-lt"/>
+              </a:rPr>
+              <a:t>обязаны</a:t>
+            </a:r>
+            <a:r>
+              <a:rPr lang="en-US" sz="1600" dirty="0">
+                <a:ea typeface="+mn-lt"/>
+                <a:cs typeface="+mn-lt"/>
+              </a:rPr>
+              <a:t> </a:t>
+            </a:r>
+            <a:r>
+              <a:rPr lang="en-US" sz="1600" err="1">
+                <a:ea typeface="+mn-lt"/>
+                <a:cs typeface="+mn-lt"/>
+              </a:rPr>
+              <a:t>перечислять</a:t>
+            </a:r>
+            <a:r>
+              <a:rPr lang="en-US" sz="1600" dirty="0">
+                <a:ea typeface="+mn-lt"/>
+                <a:cs typeface="+mn-lt"/>
+              </a:rPr>
+              <a:t> </a:t>
+            </a:r>
+            <a:r>
+              <a:rPr lang="en-US" sz="1600">
+                <a:ea typeface="+mn-lt"/>
+                <a:cs typeface="+mn-lt"/>
+              </a:rPr>
+              <a:t>5% </a:t>
+            </a:r>
+            <a:r>
+              <a:rPr lang="en-US" sz="1600" err="1">
                 <a:ea typeface="+mn-lt"/>
                 <a:cs typeface="+mn-lt"/>
               </a:rPr>
               <a:t>от</a:t>
             </a:r>
             <a:r>
-              <a:rPr lang="en-US" sz="1200" dirty="0">
-                <a:ea typeface="+mn-lt"/>
-                <a:cs typeface="+mn-lt"/>
-              </a:rPr>
-              <a:t> </a:t>
-            </a:r>
-            <a:r>
-              <a:rPr lang="en-US" sz="1200" dirty="0" err="1">
-                <a:ea typeface="+mn-lt"/>
-                <a:cs typeface="+mn-lt"/>
-              </a:rPr>
-              <a:t>первого</a:t>
-            </a:r>
-            <a:r>
-              <a:rPr lang="en-US" sz="1200" dirty="0">
-                <a:ea typeface="+mn-lt"/>
-                <a:cs typeface="+mn-lt"/>
-              </a:rPr>
-              <a:t> </a:t>
-            </a:r>
-            <a:r>
-              <a:rPr lang="en-US" sz="1200" dirty="0" err="1">
-                <a:ea typeface="+mn-lt"/>
-                <a:cs typeface="+mn-lt"/>
-              </a:rPr>
-              <a:t>лица</a:t>
-            </a:r>
-            <a:r>
-              <a:rPr lang="en-US" sz="1200" dirty="0">
-                <a:ea typeface="+mn-lt"/>
-                <a:cs typeface="+mn-lt"/>
-              </a:rPr>
-              <a:t>, </a:t>
-            </a:r>
-            <a:r>
-              <a:rPr lang="en-US" sz="1200" dirty="0" err="1">
-                <a:ea typeface="+mn-lt"/>
-                <a:cs typeface="+mn-lt"/>
-              </a:rPr>
-              <a:t>его</a:t>
-            </a:r>
-            <a:r>
-              <a:rPr lang="en-US" sz="1200" dirty="0">
-                <a:ea typeface="+mn-lt"/>
-                <a:cs typeface="+mn-lt"/>
-              </a:rPr>
-              <a:t> </a:t>
-            </a:r>
-            <a:r>
-              <a:rPr lang="en-US" sz="1200" dirty="0" err="1">
-                <a:ea typeface="+mn-lt"/>
-                <a:cs typeface="+mn-lt"/>
-              </a:rPr>
-              <a:t>последующие</a:t>
-            </a:r>
-            <a:r>
-              <a:rPr lang="en-US" sz="1200" dirty="0">
-                <a:ea typeface="+mn-lt"/>
-                <a:cs typeface="+mn-lt"/>
-              </a:rPr>
-              <a:t> </a:t>
-            </a:r>
-            <a:r>
-              <a:rPr lang="en-US" sz="1200" dirty="0" err="1">
-                <a:ea typeface="+mn-lt"/>
-                <a:cs typeface="+mn-lt"/>
-              </a:rPr>
-              <a:t>версии</a:t>
-            </a:r>
-            <a:r>
-              <a:rPr lang="en-US" sz="1200" dirty="0">
-                <a:ea typeface="+mn-lt"/>
-                <a:cs typeface="+mn-lt"/>
-              </a:rPr>
-              <a:t> </a:t>
-            </a:r>
-            <a:r>
-              <a:rPr lang="en-US" sz="1200" dirty="0" err="1">
-                <a:ea typeface="+mn-lt"/>
-                <a:cs typeface="+mn-lt"/>
-              </a:rPr>
-              <a:t>успешно</a:t>
-            </a:r>
-            <a:r>
-              <a:rPr lang="en-US" sz="1200" dirty="0">
-                <a:ea typeface="+mn-lt"/>
-                <a:cs typeface="+mn-lt"/>
-              </a:rPr>
-              <a:t> </a:t>
-            </a:r>
-            <a:r>
-              <a:rPr lang="en-US" sz="1200" dirty="0" err="1">
-                <a:ea typeface="+mn-lt"/>
-                <a:cs typeface="+mn-lt"/>
-              </a:rPr>
-              <a:t>применялись</a:t>
-            </a:r>
-            <a:r>
-              <a:rPr lang="en-US" sz="1200" dirty="0">
-                <a:ea typeface="+mn-lt"/>
-                <a:cs typeface="+mn-lt"/>
-              </a:rPr>
-              <a:t> в </a:t>
-            </a:r>
-            <a:r>
-              <a:rPr lang="en-US" sz="1200" dirty="0" err="1">
-                <a:ea typeface="+mn-lt"/>
-                <a:cs typeface="+mn-lt"/>
-              </a:rPr>
-              <a:t>играх</a:t>
-            </a:r>
-            <a:r>
-              <a:rPr lang="en-US" sz="1200" dirty="0">
-                <a:ea typeface="+mn-lt"/>
-                <a:cs typeface="+mn-lt"/>
-              </a:rPr>
-              <a:t> </a:t>
-            </a:r>
-            <a:r>
-              <a:rPr lang="en-US" sz="1200" dirty="0" err="1">
-                <a:ea typeface="+mn-lt"/>
-                <a:cs typeface="+mn-lt"/>
-              </a:rPr>
-              <a:t>самых</a:t>
-            </a:r>
-            <a:r>
-              <a:rPr lang="en-US" sz="1200" dirty="0">
-                <a:ea typeface="+mn-lt"/>
-                <a:cs typeface="+mn-lt"/>
-              </a:rPr>
-              <a:t> </a:t>
-            </a:r>
-            <a:r>
-              <a:rPr lang="en-US" sz="1200" dirty="0" err="1">
-                <a:ea typeface="+mn-lt"/>
-                <a:cs typeface="+mn-lt"/>
-              </a:rPr>
-              <a:t>различных</a:t>
-            </a:r>
-            <a:r>
-              <a:rPr lang="en-US" sz="1200" dirty="0">
-                <a:ea typeface="+mn-lt"/>
-                <a:cs typeface="+mn-lt"/>
-              </a:rPr>
-              <a:t> </a:t>
-            </a:r>
-            <a:r>
-              <a:rPr lang="en-US" sz="1200" dirty="0" err="1">
-                <a:ea typeface="+mn-lt"/>
-                <a:cs typeface="+mn-lt"/>
-              </a:rPr>
-              <a:t>жанров</a:t>
-            </a:r>
-            <a:r>
-              <a:rPr lang="en-US" sz="1200" dirty="0">
-                <a:ea typeface="+mn-lt"/>
-                <a:cs typeface="+mn-lt"/>
-              </a:rPr>
-              <a:t>, в </a:t>
-            </a:r>
-            <a:r>
-              <a:rPr lang="en-US" sz="1200" dirty="0" err="1">
-                <a:ea typeface="+mn-lt"/>
-                <a:cs typeface="+mn-lt"/>
-              </a:rPr>
-              <a:t>том</a:t>
-            </a:r>
-            <a:r>
-              <a:rPr lang="en-US" sz="1200" dirty="0">
-                <a:ea typeface="+mn-lt"/>
-                <a:cs typeface="+mn-lt"/>
-              </a:rPr>
-              <a:t> </a:t>
-            </a:r>
-            <a:r>
-              <a:rPr lang="en-US" sz="1200" dirty="0" err="1">
-                <a:ea typeface="+mn-lt"/>
-                <a:cs typeface="+mn-lt"/>
-              </a:rPr>
-              <a:t>числе</a:t>
-            </a:r>
-            <a:r>
-              <a:rPr lang="en-US" sz="1200" dirty="0">
-                <a:ea typeface="+mn-lt"/>
-                <a:cs typeface="+mn-lt"/>
-              </a:rPr>
-              <a:t> </a:t>
-            </a:r>
-            <a:r>
-              <a:rPr lang="en-US" sz="1200" dirty="0" err="1">
-                <a:ea typeface="+mn-lt"/>
-                <a:cs typeface="+mn-lt"/>
-              </a:rPr>
-              <a:t>стелс-играх</a:t>
-            </a:r>
-            <a:r>
-              <a:rPr lang="en-US" sz="1200" dirty="0">
-                <a:ea typeface="+mn-lt"/>
-                <a:cs typeface="+mn-lt"/>
-              </a:rPr>
-              <a:t>, </a:t>
-            </a:r>
-            <a:r>
-              <a:rPr lang="en-US" sz="1200" dirty="0" err="1">
-                <a:ea typeface="+mn-lt"/>
-                <a:cs typeface="+mn-lt"/>
-              </a:rPr>
-              <a:t>файтингах</a:t>
-            </a:r>
-            <a:r>
-              <a:rPr lang="en-US" sz="1200" dirty="0">
-                <a:ea typeface="+mn-lt"/>
-                <a:cs typeface="+mn-lt"/>
-              </a:rPr>
-              <a:t> и </a:t>
-            </a:r>
-            <a:r>
-              <a:rPr lang="en-US" sz="1200" dirty="0" err="1">
-                <a:ea typeface="+mn-lt"/>
-                <a:cs typeface="+mn-lt"/>
-              </a:rPr>
-              <a:t>массовых</a:t>
-            </a:r>
-            <a:r>
-              <a:rPr lang="en-US" sz="1200" dirty="0">
-                <a:ea typeface="+mn-lt"/>
-                <a:cs typeface="+mn-lt"/>
-              </a:rPr>
-              <a:t> </a:t>
-            </a:r>
-            <a:r>
-              <a:rPr lang="en-US" sz="1200" dirty="0" err="1">
-                <a:ea typeface="+mn-lt"/>
-                <a:cs typeface="+mn-lt"/>
-              </a:rPr>
-              <a:t>многопользовательских</a:t>
-            </a:r>
-            <a:r>
-              <a:rPr lang="en-US" sz="1200" dirty="0">
-                <a:ea typeface="+mn-lt"/>
-                <a:cs typeface="+mn-lt"/>
-              </a:rPr>
-              <a:t> </a:t>
-            </a:r>
-            <a:r>
-              <a:rPr lang="en-US" sz="1200" dirty="0" err="1">
-                <a:ea typeface="+mn-lt"/>
-                <a:cs typeface="+mn-lt"/>
-              </a:rPr>
-              <a:t>ролевых</a:t>
-            </a:r>
-            <a:r>
-              <a:rPr lang="en-US" sz="1200" dirty="0">
-                <a:ea typeface="+mn-lt"/>
-                <a:cs typeface="+mn-lt"/>
-              </a:rPr>
-              <a:t> </a:t>
-            </a:r>
-            <a:r>
-              <a:rPr lang="en-US" sz="1200" dirty="0" err="1">
-                <a:ea typeface="+mn-lt"/>
-                <a:cs typeface="+mn-lt"/>
-              </a:rPr>
-              <a:t>онлайн-играх</a:t>
-            </a:r>
-            <a:r>
-              <a:rPr lang="en-US" sz="1200" dirty="0">
-                <a:ea typeface="+mn-lt"/>
-                <a:cs typeface="+mn-lt"/>
-              </a:rPr>
-              <a:t>. В </a:t>
-            </a:r>
-            <a:r>
-              <a:rPr lang="en-US" sz="1200" dirty="0" err="1">
-                <a:ea typeface="+mn-lt"/>
-                <a:cs typeface="+mn-lt"/>
-              </a:rPr>
-              <a:t>прошлом</a:t>
-            </a:r>
-            <a:r>
-              <a:rPr lang="en-US" sz="1200" dirty="0">
-                <a:ea typeface="+mn-lt"/>
-                <a:cs typeface="+mn-lt"/>
-              </a:rPr>
-              <a:t> </a:t>
-            </a:r>
-            <a:r>
-              <a:rPr lang="en-US" sz="1200" dirty="0" err="1">
-                <a:ea typeface="+mn-lt"/>
-                <a:cs typeface="+mn-lt"/>
-              </a:rPr>
-              <a:t>движок</a:t>
-            </a:r>
-            <a:r>
-              <a:rPr lang="en-US" sz="1200" dirty="0">
-                <a:ea typeface="+mn-lt"/>
-                <a:cs typeface="+mn-lt"/>
-              </a:rPr>
-              <a:t> </a:t>
-            </a:r>
-            <a:r>
-              <a:rPr lang="en-US" sz="1200" dirty="0" err="1">
-                <a:ea typeface="+mn-lt"/>
-                <a:cs typeface="+mn-lt"/>
-              </a:rPr>
-              <a:t>распространялся</a:t>
-            </a:r>
-            <a:r>
-              <a:rPr lang="en-US" sz="1200" dirty="0">
-                <a:ea typeface="+mn-lt"/>
-                <a:cs typeface="+mn-lt"/>
-              </a:rPr>
-              <a:t> </a:t>
-            </a:r>
-            <a:r>
-              <a:rPr lang="en-US" sz="1200" dirty="0" err="1">
-                <a:ea typeface="+mn-lt"/>
-                <a:cs typeface="+mn-lt"/>
-              </a:rPr>
-              <a:t>на</a:t>
-            </a:r>
-            <a:r>
-              <a:rPr lang="en-US" sz="1200" dirty="0">
-                <a:ea typeface="+mn-lt"/>
-                <a:cs typeface="+mn-lt"/>
-              </a:rPr>
-              <a:t> </a:t>
-            </a:r>
-            <a:r>
-              <a:rPr lang="en-US" sz="1200" dirty="0" err="1">
-                <a:ea typeface="+mn-lt"/>
-                <a:cs typeface="+mn-lt"/>
-              </a:rPr>
-              <a:t>условиях</a:t>
-            </a:r>
-            <a:r>
-              <a:rPr lang="en-US" sz="1200" dirty="0">
-                <a:ea typeface="+mn-lt"/>
-                <a:cs typeface="+mn-lt"/>
-              </a:rPr>
-              <a:t> </a:t>
-            </a:r>
-            <a:r>
-              <a:rPr lang="en-US" sz="1200" dirty="0" err="1">
-                <a:ea typeface="+mn-lt"/>
-                <a:cs typeface="+mn-lt"/>
-              </a:rPr>
-              <a:t>оплаты</a:t>
-            </a:r>
-            <a:r>
-              <a:rPr lang="en-US" sz="1200" dirty="0">
-                <a:ea typeface="+mn-lt"/>
-                <a:cs typeface="+mn-lt"/>
-              </a:rPr>
-              <a:t> </a:t>
-            </a:r>
-            <a:r>
-              <a:rPr lang="en-US" sz="1200" dirty="0" err="1">
-                <a:ea typeface="+mn-lt"/>
-                <a:cs typeface="+mn-lt"/>
-              </a:rPr>
-              <a:t>ежемесячной</a:t>
-            </a:r>
-            <a:r>
-              <a:rPr lang="en-US" sz="1200" dirty="0">
-                <a:ea typeface="+mn-lt"/>
-                <a:cs typeface="+mn-lt"/>
-              </a:rPr>
-              <a:t> </a:t>
-            </a:r>
-            <a:r>
-              <a:rPr lang="en-US" sz="1200" dirty="0" err="1">
-                <a:ea typeface="+mn-lt"/>
-                <a:cs typeface="+mn-lt"/>
-              </a:rPr>
-              <a:t>подписки</a:t>
-            </a:r>
-            <a:r>
-              <a:rPr lang="en-US" sz="1200" dirty="0">
-                <a:ea typeface="+mn-lt"/>
-                <a:cs typeface="+mn-lt"/>
-              </a:rPr>
-              <a:t>; с 2015 </a:t>
-            </a:r>
-            <a:r>
-              <a:rPr lang="en-US" sz="1200" dirty="0" err="1">
-                <a:ea typeface="+mn-lt"/>
-                <a:cs typeface="+mn-lt"/>
-              </a:rPr>
-              <a:t>года</a:t>
-            </a:r>
-            <a:r>
-              <a:rPr lang="en-US" sz="1200" dirty="0">
-                <a:ea typeface="+mn-lt"/>
-                <a:cs typeface="+mn-lt"/>
-              </a:rPr>
-              <a:t> Unreal Engine </a:t>
-            </a:r>
-            <a:r>
-              <a:rPr lang="en-US" sz="1200" dirty="0" err="1">
-                <a:ea typeface="+mn-lt"/>
-                <a:cs typeface="+mn-lt"/>
-              </a:rPr>
-              <a:t>бесплатен</a:t>
-            </a:r>
-            <a:r>
-              <a:rPr lang="en-US" sz="1200" dirty="0">
-                <a:ea typeface="+mn-lt"/>
-                <a:cs typeface="+mn-lt"/>
-              </a:rPr>
-              <a:t>, </a:t>
-            </a:r>
-            <a:r>
-              <a:rPr lang="en-US" sz="1200" dirty="0" err="1">
-                <a:ea typeface="+mn-lt"/>
-                <a:cs typeface="+mn-lt"/>
-              </a:rPr>
-              <a:t>но</a:t>
-            </a:r>
-            <a:r>
-              <a:rPr lang="en-US" sz="1200" dirty="0">
-                <a:ea typeface="+mn-lt"/>
-                <a:cs typeface="+mn-lt"/>
-              </a:rPr>
-              <a:t> </a:t>
-            </a:r>
-            <a:r>
-              <a:rPr lang="en-US" sz="1200" dirty="0" err="1">
-                <a:ea typeface="+mn-lt"/>
-                <a:cs typeface="+mn-lt"/>
-              </a:rPr>
-              <a:t>разработчики</a:t>
-            </a:r>
-            <a:r>
-              <a:rPr lang="en-US" sz="1200" dirty="0">
-                <a:ea typeface="+mn-lt"/>
-                <a:cs typeface="+mn-lt"/>
-              </a:rPr>
-              <a:t> </a:t>
-            </a:r>
-            <a:r>
-              <a:rPr lang="en-US" sz="1200" dirty="0" err="1">
-                <a:ea typeface="+mn-lt"/>
-                <a:cs typeface="+mn-lt"/>
-              </a:rPr>
-              <a:t>использующих</a:t>
-            </a:r>
-            <a:r>
-              <a:rPr lang="en-US" sz="1200" dirty="0">
-                <a:ea typeface="+mn-lt"/>
-                <a:cs typeface="+mn-lt"/>
-              </a:rPr>
-              <a:t> </a:t>
-            </a:r>
-            <a:r>
-              <a:rPr lang="en-US" sz="1200" dirty="0" err="1">
-                <a:ea typeface="+mn-lt"/>
-                <a:cs typeface="+mn-lt"/>
-              </a:rPr>
-              <a:t>его</a:t>
-            </a:r>
-            <a:r>
-              <a:rPr lang="en-US" sz="1200" dirty="0">
-                <a:ea typeface="+mn-lt"/>
-                <a:cs typeface="+mn-lt"/>
-              </a:rPr>
-              <a:t> </a:t>
-            </a:r>
-            <a:r>
-              <a:rPr lang="en-US" sz="1200" dirty="0" err="1">
-                <a:ea typeface="+mn-lt"/>
-                <a:cs typeface="+mn-lt"/>
-              </a:rPr>
-              <a:t>игр</a:t>
-            </a:r>
-            <a:r>
-              <a:rPr lang="en-US" sz="1200" dirty="0">
-                <a:ea typeface="+mn-lt"/>
-                <a:cs typeface="+mn-lt"/>
-              </a:rPr>
-              <a:t> </a:t>
-            </a:r>
-            <a:r>
-              <a:rPr lang="en-US" sz="1200" dirty="0" err="1">
-                <a:ea typeface="+mn-lt"/>
-                <a:cs typeface="+mn-lt"/>
-              </a:rPr>
-              <a:t>обязаны</a:t>
-            </a:r>
-            <a:r>
-              <a:rPr lang="en-US" sz="1200" dirty="0">
-                <a:ea typeface="+mn-lt"/>
-                <a:cs typeface="+mn-lt"/>
-              </a:rPr>
-              <a:t> </a:t>
-            </a:r>
-            <a:r>
-              <a:rPr lang="en-US" sz="1200" dirty="0" err="1">
-                <a:ea typeface="+mn-lt"/>
-                <a:cs typeface="+mn-lt"/>
-              </a:rPr>
-              <a:t>перечислять</a:t>
-            </a:r>
-            <a:r>
-              <a:rPr lang="en-US" sz="1200" dirty="0">
-                <a:ea typeface="+mn-lt"/>
-                <a:cs typeface="+mn-lt"/>
-              </a:rPr>
-              <a:t> 5% </a:t>
-            </a:r>
-            <a:r>
-              <a:rPr lang="en-US" sz="1200" dirty="0" err="1">
-                <a:ea typeface="+mn-lt"/>
-                <a:cs typeface="+mn-lt"/>
-              </a:rPr>
-              <a:t>роялти</a:t>
-            </a:r>
-            <a:r>
-              <a:rPr lang="en-US" sz="1200" dirty="0">
-                <a:ea typeface="+mn-lt"/>
-                <a:cs typeface="+mn-lt"/>
-              </a:rPr>
-              <a:t> </a:t>
-            </a:r>
-            <a:r>
-              <a:rPr lang="en-US" sz="1200" dirty="0" err="1">
-                <a:ea typeface="+mn-lt"/>
-                <a:cs typeface="+mn-lt"/>
-              </a:rPr>
-              <a:t>от</a:t>
-            </a:r>
-            <a:r>
-              <a:rPr lang="en-US" sz="1200" dirty="0">
-                <a:ea typeface="+mn-lt"/>
-                <a:cs typeface="+mn-lt"/>
-              </a:rPr>
-              <a:t> </a:t>
-            </a:r>
-            <a:r>
-              <a:rPr lang="en-US" sz="1200" dirty="0" err="1">
+              <a:rPr lang="en-US" sz="1600" dirty="0">
+                <a:ea typeface="+mn-lt"/>
+                <a:cs typeface="+mn-lt"/>
+              </a:rPr>
+              <a:t> </a:t>
+            </a:r>
+            <a:r>
+              <a:rPr lang="en-US" sz="1600" err="1">
                 <a:ea typeface="+mn-lt"/>
                 <a:cs typeface="+mn-lt"/>
               </a:rPr>
               <a:t>продаж</a:t>
             </a:r>
-            <a:endParaRPr lang="en-US" sz="1200"/>
+            <a:endParaRPr lang="en-US" sz="1600"/>
           </a:p>
         </p:txBody>
       </p:sp>

--- a/Presentation 4.3.pptx
+++ b/Presentation 4.3.pptx
@@ -137,6 +137,7 @@
     <p1510:client id="{8200F492-B484-48A7-8AAD-E804E55D5A83}" v="195" dt="2020-02-26T12:54:32.221"/>
     <p1510:client id="{867FA3D7-6D7A-4D7A-BADA-35266BE2F8D4}" v="531" dt="2020-02-06T16:07:25.814"/>
     <p1510:client id="{BBFEDB11-B727-4426-BE8E-A0C0FCCB5D3A}" v="374" dt="2020-02-29T09:21:13.788"/>
+    <p1510:client id="{D51ABB00-5A4F-482A-9CC0-736D48ED630D}" v="38" dt="2020-03-10T10:44:48.582"/>
     <p1510:client id="{E32937AE-2B64-449A-B36B-CDD61C19F2B5}" v="34" dt="2020-03-02T14:52:37.344"/>
   </p1510:revLst>
 </p1510:revInfo>
@@ -365,7 +366,7 @@
             <a:fld id="{A52BE8C1-7313-4B1A-A522-D273E7A21E89}" type="datetimeFigureOut">
               <a:rPr lang="en-US" dirty="0"/>
               <a:pPr/>
-              <a:t>3/3/2020</a:t>
+              <a:t>3/10/2020</a:t>
             </a:fld>
             <a:endParaRPr lang="en-US" dirty="0"/>
           </a:p>
@@ -535,7 +536,7 @@
             <a:fld id="{1E1A1254-60E8-4EAE-AE90-B80A87FF7E0C}" type="datetimeFigureOut">
               <a:rPr lang="en-US" dirty="0"/>
               <a:pPr/>
-              <a:t>3/3/2020</a:t>
+              <a:t>3/10/2020</a:t>
             </a:fld>
             <a:endParaRPr lang="en-US" dirty="0"/>
           </a:p>
@@ -715,7 +716,7 @@
             <a:fld id="{9F3228C6-DC12-455E-81B7-5E12630F1892}" type="datetimeFigureOut">
               <a:rPr lang="en-US" dirty="0"/>
               <a:pPr/>
-              <a:t>3/3/2020</a:t>
+              <a:t>3/10/2020</a:t>
             </a:fld>
             <a:endParaRPr lang="en-US" dirty="0"/>
           </a:p>
@@ -885,7 +886,7 @@
             <a:fld id="{528B1387-E181-492F-9D7B-AD6E21345D03}" type="datetimeFigureOut">
               <a:rPr lang="en-US" dirty="0"/>
               <a:pPr/>
-              <a:t>3/3/2020</a:t>
+              <a:t>3/10/2020</a:t>
             </a:fld>
             <a:endParaRPr lang="en-US" dirty="0"/>
           </a:p>
@@ -1139,7 +1140,7 @@
             <a:fld id="{7AACB294-6DA6-451B-8488-5CBB249A1473}" type="datetimeFigureOut">
               <a:rPr lang="en-US" dirty="0"/>
               <a:pPr/>
-              <a:t>3/3/2020</a:t>
+              <a:t>3/10/2020</a:t>
             </a:fld>
             <a:endParaRPr lang="en-US" dirty="0"/>
           </a:p>
@@ -1464,7 +1465,7 @@
             <a:fld id="{ACC386E2-80E8-4960-92F6-C6FE8B10DBD0}" type="datetimeFigureOut">
               <a:rPr lang="en-US" dirty="0"/>
               <a:pPr/>
-              <a:t>3/3/2020</a:t>
+              <a:t>3/10/2020</a:t>
             </a:fld>
             <a:endParaRPr lang="en-US" dirty="0"/>
           </a:p>
@@ -1872,7 +1873,7 @@
             <a:fld id="{790670D5-C074-44A2-9802-1F9E7BA543BC}" type="datetimeFigureOut">
               <a:rPr lang="en-US" dirty="0"/>
               <a:pPr/>
-              <a:t>3/3/2020</a:t>
+              <a:t>3/10/2020</a:t>
             </a:fld>
             <a:endParaRPr lang="en-US" dirty="0"/>
           </a:p>
@@ -1991,7 +1992,7 @@
             <a:fld id="{F59D57FF-92EE-4687-A0B6-D4426CCF892B}" type="datetimeFigureOut">
               <a:rPr lang="en-US" dirty="0"/>
               <a:pPr/>
-              <a:t>3/3/2020</a:t>
+              <a:t>3/10/2020</a:t>
             </a:fld>
             <a:endParaRPr lang="en-US" dirty="0"/>
           </a:p>
@@ -2088,7 +2089,7 @@
             <a:fld id="{37B583F2-6412-4AD5-B9E1-33F4992FAAD1}" type="datetimeFigureOut">
               <a:rPr lang="en-US" dirty="0"/>
               <a:pPr/>
-              <a:t>3/3/2020</a:t>
+              <a:t>3/10/2020</a:t>
             </a:fld>
             <a:endParaRPr lang="en-US" dirty="0"/>
           </a:p>
@@ -2375,7 +2376,7 @@
             <a:fld id="{C9AC0EC1-93A9-4658-B50B-1E179632FC91}" type="datetimeFigureOut">
               <a:rPr lang="en-US" dirty="0"/>
               <a:pPr/>
-              <a:t>3/3/2020</a:t>
+              <a:t>3/10/2020</a:t>
             </a:fld>
             <a:endParaRPr lang="en-US" dirty="0"/>
           </a:p>
@@ -2687,7 +2688,7 @@
             <a:fld id="{0D5381A2-E6D8-4B28-8E28-2D655C552EBB}" type="datetimeFigureOut">
               <a:rPr lang="en-US" dirty="0"/>
               <a:pPr/>
-              <a:t>3/3/2020</a:t>
+              <a:t>3/10/2020</a:t>
             </a:fld>
             <a:endParaRPr lang="en-US" dirty="0"/>
           </a:p>
@@ -2936,7 +2937,7 @@
             <a:fld id="{893EB801-F7DF-4DB7-AD7A-DFFF56000347}" type="datetimeFigureOut">
               <a:rPr lang="en-US" dirty="0"/>
               <a:pPr/>
-              <a:t>3/3/2020</a:t>
+              <a:t>3/10/2020</a:t>
             </a:fld>
             <a:endParaRPr lang="en-US" dirty="0"/>
           </a:p>
@@ -3523,6 +3524,56 @@
           </a:p>
         </p:txBody>
       </p:sp>
+      <p:sp>
+        <p:nvSpPr>
+          <p:cNvPr id="4" name="TextBox 3">
+            <a:extLst>
+              <a:ext uri="{FF2B5EF4-FFF2-40B4-BE49-F238E27FC236}">
+                <a16:creationId xmlns:a16="http://schemas.microsoft.com/office/drawing/2014/main" id="{36F8E776-67C1-48FD-97D1-30A9C64F0888}"/>
+              </a:ext>
+            </a:extLst>
+          </p:cNvPr>
+          <p:cNvSpPr txBox="1"/>
+          <p:nvPr/>
+        </p:nvSpPr>
+        <p:spPr>
+          <a:xfrm>
+            <a:off x="949167" y="5399479"/>
+            <a:ext cx="2743200" cy="646331"/>
+          </a:xfrm>
+          <a:prstGeom prst="rect">
+            <a:avLst/>
+          </a:prstGeom>
+          <a:noFill/>
+        </p:spPr>
+        <p:txBody>
+          <a:bodyPr rot="0" spcFirstLastPara="0" vertOverflow="overflow" horzOverflow="overflow" vert="horz" wrap="square" lIns="91440" tIns="45720" rIns="91440" bIns="45720" numCol="1" spcCol="0" rtlCol="0" fromWordArt="0" anchor="t" anchorCtr="0" forceAA="0" compatLnSpc="1">
+            <a:prstTxWarp prst="textNoShape">
+              <a:avLst/>
+            </a:prstTxWarp>
+            <a:spAutoFit/>
+          </a:bodyPr>
+          <a:lstStyle/>
+          <a:p>
+            <a:r>
+              <a:rPr lang="en-US" dirty="0" err="1"/>
+              <a:t>Руководитель</a:t>
+            </a:r>
+            <a:r>
+              <a:rPr lang="en-US" dirty="0"/>
+              <a:t>: </a:t>
+            </a:r>
+            <a:r>
+              <a:rPr lang="en-US" dirty="0" err="1"/>
+              <a:t>Руди</a:t>
+            </a:r>
+            <a:r>
+              <a:rPr lang="en-US" dirty="0"/>
+              <a:t> Ю. А.</a:t>
+            </a:r>
+          </a:p>
+        </p:txBody>
+      </p:sp>
     </p:spTree>
     <p:extLst>
       <p:ext uri="{BB962C8B-B14F-4D97-AF65-F5344CB8AC3E}">
